--- a/Week 4/태원_Week4_정리/5. 확률적 분석, 랜덤화된 알고리즘.pptx
+++ b/Week 4/태원_Week4_정리/5. 확률적 분석, 랜덤화된 알고리즘.pptx
@@ -27,18 +27,19 @@
     <p:sldId id="338" r:id="rId21"/>
     <p:sldId id="339" r:id="rId22"/>
     <p:sldId id="322" r:id="rId23"/>
-    <p:sldId id="340" r:id="rId24"/>
-    <p:sldId id="341" r:id="rId25"/>
-    <p:sldId id="342" r:id="rId26"/>
-    <p:sldId id="343" r:id="rId27"/>
-    <p:sldId id="345" r:id="rId28"/>
-    <p:sldId id="344" r:id="rId29"/>
-    <p:sldId id="346" r:id="rId30"/>
-    <p:sldId id="347" r:id="rId31"/>
-    <p:sldId id="348" r:id="rId32"/>
-    <p:sldId id="349" r:id="rId33"/>
-    <p:sldId id="350" r:id="rId34"/>
-    <p:sldId id="351" r:id="rId35"/>
+    <p:sldId id="352" r:id="rId24"/>
+    <p:sldId id="340" r:id="rId25"/>
+    <p:sldId id="341" r:id="rId26"/>
+    <p:sldId id="342" r:id="rId27"/>
+    <p:sldId id="343" r:id="rId28"/>
+    <p:sldId id="345" r:id="rId29"/>
+    <p:sldId id="344" r:id="rId30"/>
+    <p:sldId id="346" r:id="rId31"/>
+    <p:sldId id="347" r:id="rId32"/>
+    <p:sldId id="348" r:id="rId33"/>
+    <p:sldId id="349" r:id="rId34"/>
+    <p:sldId id="350" r:id="rId35"/>
+    <p:sldId id="351" r:id="rId36"/>
   </p:sldIdLst>
   <p:sldSz cx="12192000" cy="6858000"/>
   <p:notesSz cx="6858000" cy="9144000"/>
@@ -274,7 +275,7 @@
           <a:p>
             <a:fld id="{43A2C562-5E7C-42F9-9394-CE33ADB070C3}" type="datetimeFigureOut">
               <a:rPr lang="ko-KR" altLang="en-US" smtClean="0"/>
-              <a:t>2019-08-04</a:t>
+              <a:t>2019-08-05</a:t>
             </a:fld>
             <a:endParaRPr lang="ko-KR" altLang="en-US"/>
           </a:p>
@@ -442,7 +443,7 @@
           <a:p>
             <a:fld id="{43A2C562-5E7C-42F9-9394-CE33ADB070C3}" type="datetimeFigureOut">
               <a:rPr lang="ko-KR" altLang="en-US" smtClean="0"/>
-              <a:t>2019-08-04</a:t>
+              <a:t>2019-08-05</a:t>
             </a:fld>
             <a:endParaRPr lang="ko-KR" altLang="en-US"/>
           </a:p>
@@ -620,7 +621,7 @@
           <a:p>
             <a:fld id="{43A2C562-5E7C-42F9-9394-CE33ADB070C3}" type="datetimeFigureOut">
               <a:rPr lang="ko-KR" altLang="en-US" smtClean="0"/>
-              <a:t>2019-08-04</a:t>
+              <a:t>2019-08-05</a:t>
             </a:fld>
             <a:endParaRPr lang="ko-KR" altLang="en-US"/>
           </a:p>
@@ -788,7 +789,7 @@
           <a:p>
             <a:fld id="{43A2C562-5E7C-42F9-9394-CE33ADB070C3}" type="datetimeFigureOut">
               <a:rPr lang="ko-KR" altLang="en-US" smtClean="0"/>
-              <a:t>2019-08-04</a:t>
+              <a:t>2019-08-05</a:t>
             </a:fld>
             <a:endParaRPr lang="ko-KR" altLang="en-US"/>
           </a:p>
@@ -1033,7 +1034,7 @@
           <a:p>
             <a:fld id="{43A2C562-5E7C-42F9-9394-CE33ADB070C3}" type="datetimeFigureOut">
               <a:rPr lang="ko-KR" altLang="en-US" smtClean="0"/>
-              <a:t>2019-08-04</a:t>
+              <a:t>2019-08-05</a:t>
             </a:fld>
             <a:endParaRPr lang="ko-KR" altLang="en-US"/>
           </a:p>
@@ -1262,7 +1263,7 @@
           <a:p>
             <a:fld id="{43A2C562-5E7C-42F9-9394-CE33ADB070C3}" type="datetimeFigureOut">
               <a:rPr lang="ko-KR" altLang="en-US" smtClean="0"/>
-              <a:t>2019-08-04</a:t>
+              <a:t>2019-08-05</a:t>
             </a:fld>
             <a:endParaRPr lang="ko-KR" altLang="en-US"/>
           </a:p>
@@ -1626,7 +1627,7 @@
           <a:p>
             <a:fld id="{43A2C562-5E7C-42F9-9394-CE33ADB070C3}" type="datetimeFigureOut">
               <a:rPr lang="ko-KR" altLang="en-US" smtClean="0"/>
-              <a:t>2019-08-04</a:t>
+              <a:t>2019-08-05</a:t>
             </a:fld>
             <a:endParaRPr lang="ko-KR" altLang="en-US"/>
           </a:p>
@@ -1743,7 +1744,7 @@
           <a:p>
             <a:fld id="{43A2C562-5E7C-42F9-9394-CE33ADB070C3}" type="datetimeFigureOut">
               <a:rPr lang="ko-KR" altLang="en-US" smtClean="0"/>
-              <a:t>2019-08-04</a:t>
+              <a:t>2019-08-05</a:t>
             </a:fld>
             <a:endParaRPr lang="ko-KR" altLang="en-US"/>
           </a:p>
@@ -1838,7 +1839,7 @@
           <a:p>
             <a:fld id="{43A2C562-5E7C-42F9-9394-CE33ADB070C3}" type="datetimeFigureOut">
               <a:rPr lang="ko-KR" altLang="en-US" smtClean="0"/>
-              <a:t>2019-08-04</a:t>
+              <a:t>2019-08-05</a:t>
             </a:fld>
             <a:endParaRPr lang="ko-KR" altLang="en-US"/>
           </a:p>
@@ -2113,7 +2114,7 @@
           <a:p>
             <a:fld id="{43A2C562-5E7C-42F9-9394-CE33ADB070C3}" type="datetimeFigureOut">
               <a:rPr lang="ko-KR" altLang="en-US" smtClean="0"/>
-              <a:t>2019-08-04</a:t>
+              <a:t>2019-08-05</a:t>
             </a:fld>
             <a:endParaRPr lang="ko-KR" altLang="en-US"/>
           </a:p>
@@ -2365,7 +2366,7 @@
           <a:p>
             <a:fld id="{43A2C562-5E7C-42F9-9394-CE33ADB070C3}" type="datetimeFigureOut">
               <a:rPr lang="ko-KR" altLang="en-US" smtClean="0"/>
-              <a:t>2019-08-04</a:t>
+              <a:t>2019-08-05</a:t>
             </a:fld>
             <a:endParaRPr lang="ko-KR" altLang="en-US"/>
           </a:p>
@@ -2576,7 +2577,7 @@
           <a:p>
             <a:fld id="{43A2C562-5E7C-42F9-9394-CE33ADB070C3}" type="datetimeFigureOut">
               <a:rPr lang="ko-KR" altLang="en-US" smtClean="0"/>
-              <a:t>2019-08-04</a:t>
+              <a:t>2019-08-05</a:t>
             </a:fld>
             <a:endParaRPr lang="ko-KR" altLang="en-US"/>
           </a:p>
@@ -24728,8 +24729,8 @@
         </p:nvSpPr>
         <p:spPr>
           <a:xfrm>
-            <a:off x="3487729" y="1195322"/>
-            <a:ext cx="8483440" cy="3102196"/>
+            <a:off x="3487730" y="1875071"/>
+            <a:ext cx="8483440" cy="3785652"/>
           </a:xfrm>
           <a:prstGeom prst="rect">
             <a:avLst/>
@@ -24743,136 +24744,139 @@
           <a:lstStyle/>
           <a:p>
             <a:pPr marL="457200" indent="-457200">
-              <a:lnSpc>
-                <a:spcPct val="150000"/>
-              </a:lnSpc>
               <a:buAutoNum type="arabicPeriod"/>
             </a:pPr>
             <a:r>
-              <a:rPr lang="ko-KR" altLang="en-US" sz="2500" b="1" dirty="0"/>
+              <a:rPr lang="ko-KR" altLang="en-US" sz="2400" b="1" dirty="0">
+                <a:solidFill>
+                  <a:srgbClr val="41C9D3"/>
+                </a:solidFill>
+              </a:rPr>
               <a:t>한 방에 </a:t>
             </a:r>
             <a:r>
-              <a:rPr lang="en-US" altLang="ko-KR" sz="2500" b="1" dirty="0"/>
+              <a:rPr lang="en-US" altLang="ko-KR" sz="2400" b="1" dirty="0">
+                <a:solidFill>
+                  <a:srgbClr val="41C9D3"/>
+                </a:solidFill>
+              </a:rPr>
               <a:t>K</a:t>
             </a:r>
             <a:r>
-              <a:rPr lang="ko-KR" altLang="en-US" sz="2500" b="1" dirty="0"/>
+              <a:rPr lang="ko-KR" altLang="en-US" sz="2400" b="1" dirty="0">
+                <a:solidFill>
+                  <a:srgbClr val="41C9D3"/>
+                </a:solidFill>
+              </a:rPr>
               <a:t>명의 사람들이 있을 때</a:t>
             </a:r>
             <a:r>
-              <a:rPr lang="en-US" altLang="ko-KR" sz="2500" b="1" dirty="0"/>
+              <a:rPr lang="en-US" altLang="ko-KR" sz="2400" b="1" dirty="0">
+                <a:solidFill>
+                  <a:srgbClr val="41C9D3"/>
+                </a:solidFill>
+              </a:rPr>
               <a:t>, </a:t>
             </a:r>
-          </a:p>
-          <a:p>
-            <a:pPr>
-              <a:lnSpc>
-                <a:spcPct val="150000"/>
-              </a:lnSpc>
-            </a:pPr>
-            <a:r>
-              <a:rPr lang="ko-KR" altLang="en-US" sz="2500" b="1" dirty="0"/>
-              <a:t> </a:t>
-            </a:r>
-            <a:r>
-              <a:rPr lang="en-US" altLang="ko-KR" sz="2500" b="1" dirty="0"/>
-              <a:t>	2</a:t>
-            </a:r>
-            <a:r>
-              <a:rPr lang="ko-KR" altLang="en-US" sz="2500" b="1" dirty="0"/>
-              <a:t>명의 생일이 같을 확률</a:t>
-            </a:r>
-            <a:endParaRPr lang="en-US" altLang="ko-KR" sz="2500" b="1" dirty="0"/>
-          </a:p>
-          <a:p>
-            <a:pPr>
-              <a:lnSpc>
-                <a:spcPct val="150000"/>
-              </a:lnSpc>
-            </a:pPr>
-            <a:r>
-              <a:rPr lang="en-US" altLang="ko-KR" sz="2800" b="1" dirty="0">
-                <a:solidFill>
-                  <a:srgbClr val="C00000"/>
-                </a:solidFill>
-              </a:rPr>
-              <a:t>Q. </a:t>
-            </a:r>
-            <a:r>
-              <a:rPr lang="ko-KR" altLang="en-US" sz="2800" b="1" dirty="0">
-                <a:solidFill>
-                  <a:srgbClr val="C00000"/>
-                </a:solidFill>
-              </a:rPr>
-              <a:t>방안에 </a:t>
-            </a:r>
-            <a:r>
-              <a:rPr lang="en-US" altLang="ko-KR" sz="2800" b="1" dirty="0">
-                <a:solidFill>
-                  <a:srgbClr val="C00000"/>
-                </a:solidFill>
-              </a:rPr>
-              <a:t>K</a:t>
-            </a:r>
-            <a:r>
-              <a:rPr lang="ko-KR" altLang="en-US" sz="2800" b="1" dirty="0">
-                <a:solidFill>
-                  <a:srgbClr val="C00000"/>
-                </a:solidFill>
-              </a:rPr>
-              <a:t>명의 사람이 있다</a:t>
-            </a:r>
-            <a:r>
-              <a:rPr lang="en-US" altLang="ko-KR" sz="2800" b="1" dirty="0">
-                <a:solidFill>
-                  <a:srgbClr val="C00000"/>
-                </a:solidFill>
-              </a:rPr>
-              <a:t>. </a:t>
-            </a:r>
-          </a:p>
-          <a:p>
-            <a:pPr>
-              <a:lnSpc>
-                <a:spcPct val="150000"/>
-              </a:lnSpc>
-            </a:pPr>
-            <a:endParaRPr lang="en-US" altLang="ko-KR" sz="2800" b="1" dirty="0">
+            <a:r>
+              <a:rPr lang="ko-KR" altLang="en-US" sz="2400" b="1" dirty="0">
+                <a:solidFill>
+                  <a:srgbClr val="41C9D3"/>
+                </a:solidFill>
+              </a:rPr>
+              <a:t>생일이 같은 쌍이 있을 확률</a:t>
+            </a:r>
+            <a:endParaRPr lang="en-US" altLang="ko-KR" sz="2400" b="1" dirty="0">
               <a:solidFill>
-                <a:srgbClr val="C00000"/>
+                <a:srgbClr val="41C9D3"/>
               </a:solidFill>
             </a:endParaRPr>
           </a:p>
           <a:p>
-            <a:pPr>
-              <a:lnSpc>
-                <a:spcPct val="150000"/>
-              </a:lnSpc>
+            <a:pPr marL="457200" indent="-457200">
+              <a:buAutoNum type="arabicPeriod"/>
             </a:pPr>
-            <a:r>
-              <a:rPr lang="ko-KR" altLang="en-US" sz="2800" b="1" spc="-150" dirty="0">
-                <a:solidFill>
-                  <a:srgbClr val="C00000"/>
-                </a:solidFill>
-              </a:rPr>
-              <a:t>이 사람들 중에 두명의 생일이 같을 확률이 얼마일까 </a:t>
-            </a:r>
-            <a:r>
-              <a:rPr lang="en-US" altLang="ko-KR" sz="2800" b="1" spc="-150" dirty="0">
-                <a:solidFill>
-                  <a:srgbClr val="C00000"/>
-                </a:solidFill>
-              </a:rPr>
-              <a:t>?</a:t>
-            </a:r>
+            <a:endParaRPr lang="en-US" altLang="ko-KR" sz="2400" b="1" dirty="0">
+              <a:solidFill>
+                <a:srgbClr val="41C9D3"/>
+              </a:solidFill>
+            </a:endParaRPr>
+          </a:p>
+          <a:p>
+            <a:pPr marL="457200" indent="-457200">
+              <a:buAutoNum type="arabicPeriod"/>
+            </a:pPr>
+            <a:r>
+              <a:rPr lang="ko-KR" altLang="en-US" sz="2400" b="1" dirty="0">
+                <a:solidFill>
+                  <a:srgbClr val="41C9D3"/>
+                </a:solidFill>
+              </a:rPr>
+              <a:t>공을 주머니에 랜덤하게 집어 넣는 방법</a:t>
+            </a:r>
+            <a:endParaRPr lang="en-US" altLang="ko-KR" sz="2400" b="1" dirty="0">
+              <a:solidFill>
+                <a:srgbClr val="41C9D3"/>
+              </a:solidFill>
+            </a:endParaRPr>
+          </a:p>
+          <a:p>
+            <a:pPr marL="457200" indent="-457200">
+              <a:buAutoNum type="arabicPeriod"/>
+            </a:pPr>
+            <a:endParaRPr lang="en-US" altLang="ko-KR" sz="2400" dirty="0"/>
+          </a:p>
+          <a:p>
+            <a:pPr marL="457200" indent="-457200">
+              <a:buAutoNum type="arabicPeriod"/>
+            </a:pPr>
+            <a:r>
+              <a:rPr lang="ko-KR" altLang="en-US" sz="2400" dirty="0"/>
+              <a:t>동전을 던져 계속해서 앞면이 나오는 </a:t>
+            </a:r>
+            <a:r>
+              <a:rPr lang="en-US" altLang="ko-KR" sz="2400" dirty="0"/>
+              <a:t>“</a:t>
+            </a:r>
+            <a:r>
+              <a:rPr lang="ko-KR" altLang="en-US" sz="2400" dirty="0"/>
+              <a:t>연속발생</a:t>
+            </a:r>
+            <a:r>
+              <a:rPr lang="en-US" altLang="ko-KR" sz="2400" dirty="0"/>
+              <a:t>” </a:t>
+            </a:r>
+            <a:r>
+              <a:rPr lang="ko-KR" altLang="en-US" sz="2400" dirty="0"/>
+              <a:t>분석</a:t>
+            </a:r>
+            <a:endParaRPr lang="en-US" altLang="ko-KR" sz="2400" dirty="0"/>
+          </a:p>
+          <a:p>
+            <a:pPr marL="457200" indent="-457200">
+              <a:buAutoNum type="arabicPeriod"/>
+            </a:pPr>
+            <a:endParaRPr lang="en-US" altLang="ko-KR" sz="2400" dirty="0"/>
+          </a:p>
+          <a:p>
+            <a:pPr marL="457200" indent="-457200">
+              <a:buAutoNum type="arabicPeriod"/>
+            </a:pPr>
+            <a:r>
+              <a:rPr lang="ko-KR" altLang="en-US" sz="2400" dirty="0"/>
+              <a:t>모든 지원자를 면접하지 않고 결정을 내리는 변형된 고용 문제</a:t>
+            </a:r>
+            <a:endParaRPr lang="en-US" altLang="ko-KR" sz="2400" dirty="0"/>
+          </a:p>
+          <a:p>
+            <a:endParaRPr lang="ko-KR" altLang="en-US" sz="2400" dirty="0"/>
           </a:p>
         </p:txBody>
       </p:sp>
     </p:spTree>
     <p:extLst>
       <p:ext uri="{BB962C8B-B14F-4D97-AF65-F5344CB8AC3E}">
-        <p14:creationId xmlns:p14="http://schemas.microsoft.com/office/powerpoint/2010/main" val="1173014726"/>
+        <p14:creationId xmlns:p14="http://schemas.microsoft.com/office/powerpoint/2010/main" val="2064790433"/>
       </p:ext>
     </p:extLst>
   </p:cSld>
@@ -25974,7 +25978,7 @@
         <p:spPr>
           <a:xfrm>
             <a:off x="3487729" y="1195322"/>
-            <a:ext cx="8483440" cy="4325608"/>
+            <a:ext cx="8483440" cy="3102196"/>
           </a:xfrm>
           <a:prstGeom prst="rect">
             <a:avLst/>
@@ -26018,11 +26022,11 @@
             </a:pPr>
             <a:r>
               <a:rPr lang="ko-KR" altLang="en-US" sz="2500" b="1" dirty="0"/>
-              <a:t>      </a:t>
+              <a:t> </a:t>
             </a:r>
             <a:r>
               <a:rPr lang="en-US" altLang="ko-KR" sz="2500" b="1" dirty="0"/>
-              <a:t>2</a:t>
+              <a:t>	2</a:t>
             </a:r>
             <a:r>
               <a:rPr lang="ko-KR" altLang="en-US" sz="2500" b="1" dirty="0"/>
@@ -26036,7 +26040,46 @@
                 <a:spcPct val="150000"/>
               </a:lnSpc>
             </a:pPr>
-            <a:endParaRPr lang="en-US" altLang="ko-KR" sz="2500" b="1" dirty="0"/>
+            <a:r>
+              <a:rPr lang="en-US" altLang="ko-KR" sz="2800" b="1" dirty="0">
+                <a:solidFill>
+                  <a:srgbClr val="C00000"/>
+                </a:solidFill>
+              </a:rPr>
+              <a:t>Q. </a:t>
+            </a:r>
+            <a:r>
+              <a:rPr lang="ko-KR" altLang="en-US" sz="2800" b="1" dirty="0">
+                <a:solidFill>
+                  <a:srgbClr val="C00000"/>
+                </a:solidFill>
+              </a:rPr>
+              <a:t>방안에 </a:t>
+            </a:r>
+            <a:r>
+              <a:rPr lang="en-US" altLang="ko-KR" sz="2800" b="1" dirty="0">
+                <a:solidFill>
+                  <a:srgbClr val="C00000"/>
+                </a:solidFill>
+              </a:rPr>
+              <a:t>K</a:t>
+            </a:r>
+            <a:r>
+              <a:rPr lang="ko-KR" altLang="en-US" sz="2800" b="1" dirty="0">
+                <a:solidFill>
+                  <a:srgbClr val="C00000"/>
+                </a:solidFill>
+              </a:rPr>
+              <a:t>명의 사람이 있다</a:t>
+            </a:r>
+            <a:r>
+              <a:rPr lang="en-US" altLang="ko-KR" sz="2800" b="1" dirty="0">
+                <a:solidFill>
+                  <a:srgbClr val="C00000"/>
+                </a:solidFill>
+              </a:rPr>
+              <a:t>. </a:t>
+            </a:r>
           </a:p>
           <a:p>
             <a:pPr>
@@ -26044,23 +26087,7 @@
                 <a:spcPct val="150000"/>
               </a:lnSpc>
             </a:pPr>
-            <a:r>
-              <a:rPr lang="en-US" altLang="ko-KR" sz="2800" b="1" spc="-150" dirty="0">
-                <a:solidFill>
-                  <a:srgbClr val="C00000"/>
-                </a:solidFill>
-              </a:rPr>
-              <a:t>N = 365</a:t>
-            </a:r>
-            <a:r>
-              <a:rPr lang="ko-KR" altLang="en-US" sz="2800" b="1" spc="-150" dirty="0">
-                <a:solidFill>
-                  <a:srgbClr val="C00000"/>
-                </a:solidFill>
-              </a:rPr>
-              <a:t>일</a:t>
-            </a:r>
-            <a:endParaRPr lang="en-US" altLang="ko-KR" sz="2800" b="1" spc="-150" dirty="0">
+            <a:endParaRPr lang="en-US" altLang="ko-KR" sz="2800" b="1" dirty="0">
               <a:solidFill>
                 <a:srgbClr val="C00000"/>
               </a:solidFill>
@@ -26073,70 +26100,20 @@
               </a:lnSpc>
             </a:pPr>
             <a:r>
+              <a:rPr lang="ko-KR" altLang="en-US" sz="2800" b="1" spc="-150" dirty="0">
+                <a:solidFill>
+                  <a:srgbClr val="C00000"/>
+                </a:solidFill>
+              </a:rPr>
+              <a:t>이 사람들 중에 두명의 생일이 같을 확률이 얼마일까 </a:t>
+            </a:r>
+            <a:r>
               <a:rPr lang="en-US" altLang="ko-KR" sz="2800" b="1" spc="-150" dirty="0">
                 <a:solidFill>
                   <a:srgbClr val="C00000"/>
                 </a:solidFill>
               </a:rPr>
-              <a:t>bi :</a:t>
-            </a:r>
-            <a:r>
-              <a:rPr lang="ko-KR" altLang="en-US" sz="2800" b="1" spc="-150" dirty="0">
-                <a:solidFill>
-                  <a:srgbClr val="C00000"/>
-                </a:solidFill>
-              </a:rPr>
-              <a:t> </a:t>
-            </a:r>
-            <a:r>
-              <a:rPr lang="en-US" altLang="ko-KR" sz="2800" b="1" spc="-150" dirty="0" err="1">
-                <a:solidFill>
-                  <a:srgbClr val="C00000"/>
-                </a:solidFill>
-              </a:rPr>
-              <a:t>i</a:t>
-            </a:r>
-            <a:r>
-              <a:rPr lang="ko-KR" altLang="en-US" sz="2800" b="1" spc="-150" dirty="0">
-                <a:solidFill>
-                  <a:srgbClr val="C00000"/>
-                </a:solidFill>
-              </a:rPr>
-              <a:t>번 째 사람의 생일</a:t>
-            </a:r>
-            <a:r>
-              <a:rPr lang="en-US" altLang="ko-KR" sz="2800" b="1" spc="-150" dirty="0">
-                <a:solidFill>
-                  <a:srgbClr val="C00000"/>
-                </a:solidFill>
-              </a:rPr>
-              <a:t>(1 &lt; b &lt; n) </a:t>
-            </a:r>
-          </a:p>
-          <a:p>
-            <a:pPr>
-              <a:lnSpc>
-                <a:spcPct val="150000"/>
-              </a:lnSpc>
-            </a:pPr>
-            <a:r>
-              <a:rPr lang="ko-KR" altLang="en-US" sz="2800" b="1" spc="-150" dirty="0"/>
-              <a:t>그렇다면</a:t>
-            </a:r>
-            <a:r>
-              <a:rPr lang="en-US" altLang="ko-KR" sz="2800" b="1" spc="-150" dirty="0"/>
-              <a:t>,</a:t>
-            </a:r>
-          </a:p>
-          <a:p>
-            <a:pPr>
-              <a:lnSpc>
-                <a:spcPct val="150000"/>
-              </a:lnSpc>
-            </a:pPr>
-            <a:r>
-              <a:rPr lang="en-US" altLang="ko-KR" sz="2800" b="1" spc="-150" dirty="0"/>
-              <a:t>P{bi} = 1/n </a:t>
+              <a:t>?</a:t>
             </a:r>
           </a:p>
         </p:txBody>
@@ -26144,7 +26121,7 @@
     </p:spTree>
     <p:extLst>
       <p:ext uri="{BB962C8B-B14F-4D97-AF65-F5344CB8AC3E}">
-        <p14:creationId xmlns:p14="http://schemas.microsoft.com/office/powerpoint/2010/main" val="2829721104"/>
+        <p14:creationId xmlns:p14="http://schemas.microsoft.com/office/powerpoint/2010/main" val="1173014726"/>
       </p:ext>
     </p:extLst>
   </p:cSld>
@@ -27317,13 +27294,26 @@
               </a:lnSpc>
             </a:pPr>
             <a:r>
-              <a:rPr lang="ko-KR" altLang="en-US" sz="2800" b="1" spc="-150" dirty="0"/>
-              <a:t>각각 두명의 생일이 독립적이라고 하면</a:t>
-            </a:r>
-            <a:r>
-              <a:rPr lang="en-US" altLang="ko-KR" sz="2800" b="1" spc="-150" dirty="0"/>
-              <a:t>,</a:t>
-            </a:r>
+              <a:rPr lang="en-US" altLang="ko-KR" sz="2800" b="1" spc="-150" dirty="0">
+                <a:solidFill>
+                  <a:srgbClr val="C00000"/>
+                </a:solidFill>
+              </a:rPr>
+              <a:t>N = 365</a:t>
+            </a:r>
+            <a:r>
+              <a:rPr lang="ko-KR" altLang="en-US" sz="2800" b="1" spc="-150" dirty="0">
+                <a:solidFill>
+                  <a:srgbClr val="C00000"/>
+                </a:solidFill>
+              </a:rPr>
+              <a:t>일</a:t>
+            </a:r>
+            <a:endParaRPr lang="en-US" altLang="ko-KR" sz="2800" b="1" spc="-150" dirty="0">
+              <a:solidFill>
+                <a:srgbClr val="C00000"/>
+              </a:solidFill>
+            </a:endParaRPr>
           </a:p>
           <a:p>
             <a:pPr>
@@ -27332,16 +27322,44 @@
               </a:lnSpc>
             </a:pPr>
             <a:r>
-              <a:rPr lang="en-US" altLang="ko-KR" sz="2800" b="1" dirty="0"/>
-              <a:t>P{bi and </a:t>
-            </a:r>
-            <a:r>
-              <a:rPr lang="en-US" altLang="ko-KR" sz="2800" b="1" dirty="0" err="1"/>
-              <a:t>bj</a:t>
-            </a:r>
-            <a:r>
-              <a:rPr lang="en-US" altLang="ko-KR" sz="2800" b="1" dirty="0"/>
-              <a:t>} = 1/(n*n)</a:t>
+              <a:rPr lang="en-US" altLang="ko-KR" sz="2800" b="1" spc="-150" dirty="0">
+                <a:solidFill>
+                  <a:srgbClr val="C00000"/>
+                </a:solidFill>
+              </a:rPr>
+              <a:t>bi :</a:t>
+            </a:r>
+            <a:r>
+              <a:rPr lang="ko-KR" altLang="en-US" sz="2800" b="1" spc="-150" dirty="0">
+                <a:solidFill>
+                  <a:srgbClr val="C00000"/>
+                </a:solidFill>
+              </a:rPr>
+              <a:t> </a:t>
+            </a:r>
+            <a:r>
+              <a:rPr lang="en-US" altLang="ko-KR" sz="2800" b="1" spc="-150" dirty="0" err="1">
+                <a:solidFill>
+                  <a:srgbClr val="C00000"/>
+                </a:solidFill>
+              </a:rPr>
+              <a:t>i</a:t>
+            </a:r>
+            <a:r>
+              <a:rPr lang="ko-KR" altLang="en-US" sz="2800" b="1" spc="-150" dirty="0">
+                <a:solidFill>
+                  <a:srgbClr val="C00000"/>
+                </a:solidFill>
+              </a:rPr>
+              <a:t>번 째 사람의 생일</a:t>
+            </a:r>
+            <a:r>
+              <a:rPr lang="en-US" altLang="ko-KR" sz="2800" b="1" spc="-150" dirty="0">
+                <a:solidFill>
+                  <a:srgbClr val="C00000"/>
+                </a:solidFill>
+              </a:rPr>
+              <a:t>(1 &lt; b &lt; n) </a:t>
             </a:r>
           </a:p>
           <a:p>
@@ -27351,10 +27369,13 @@
               </a:lnSpc>
             </a:pPr>
             <a:r>
-              <a:rPr lang="ko-KR" altLang="en-US" sz="2800" b="1" dirty="0"/>
-              <a:t>그렇다면 두사람의 생일이 같을 확률</a:t>
-            </a:r>
-            <a:endParaRPr lang="en-US" altLang="ko-KR" sz="2800" b="1" dirty="0"/>
+              <a:rPr lang="ko-KR" altLang="en-US" sz="2800" b="1" spc="-150" dirty="0"/>
+              <a:t>그렇다면</a:t>
+            </a:r>
+            <a:r>
+              <a:rPr lang="en-US" altLang="ko-KR" sz="2800" b="1" spc="-150" dirty="0"/>
+              <a:t>,</a:t>
+            </a:r>
           </a:p>
           <a:p>
             <a:pPr>
@@ -27362,115 +27383,17 @@
                 <a:spcPct val="150000"/>
               </a:lnSpc>
             </a:pPr>
-            <a:endParaRPr lang="en-US" altLang="ko-KR" sz="2800" b="1" dirty="0"/>
-          </a:p>
-        </p:txBody>
-      </p:sp>
-      <p:pic>
-        <p:nvPicPr>
-          <p:cNvPr id="3" name="그림 2" descr="텍스트이(가) 표시된 사진&#10;&#10;자동 생성된 설명">
-            <a:extLst>
-              <a:ext uri="{FF2B5EF4-FFF2-40B4-BE49-F238E27FC236}">
-                <a16:creationId xmlns:a16="http://schemas.microsoft.com/office/drawing/2014/main" id="{E74ED821-5571-4C93-B07B-7BD5B1DAD320}"/>
-              </a:ext>
-            </a:extLst>
-          </p:cNvPr>
-          <p:cNvPicPr>
-            <a:picLocks noChangeAspect="1"/>
-          </p:cNvPicPr>
-          <p:nvPr/>
-        </p:nvPicPr>
-        <p:blipFill>
-          <a:blip r:embed="rId2">
-            <a:extLst>
-              <a:ext uri="{28A0092B-C50C-407E-A947-70E740481C1C}">
-                <a14:useLocalDpi xmlns:a14="http://schemas.microsoft.com/office/drawing/2010/main" val="0"/>
-              </a:ext>
-            </a:extLst>
-          </a:blip>
-          <a:stretch>
-            <a:fillRect/>
-          </a:stretch>
-        </p:blipFill>
-        <p:spPr>
-          <a:xfrm>
-            <a:off x="3582309" y="5066760"/>
-            <a:ext cx="4299330" cy="1563393"/>
-          </a:xfrm>
-          <a:prstGeom prst="rect">
-            <a:avLst/>
-          </a:prstGeom>
-        </p:spPr>
-      </p:pic>
-      <p:sp>
-        <p:nvSpPr>
-          <p:cNvPr id="21" name="TextBox 20">
-            <a:extLst>
-              <a:ext uri="{FF2B5EF4-FFF2-40B4-BE49-F238E27FC236}">
-                <a16:creationId xmlns:a16="http://schemas.microsoft.com/office/drawing/2014/main" id="{1888969B-3FB2-4D7E-8D90-042A5132CFDC}"/>
-              </a:ext>
-            </a:extLst>
-          </p:cNvPr>
-          <p:cNvSpPr txBox="1"/>
-          <p:nvPr/>
-        </p:nvSpPr>
-        <p:spPr>
-          <a:xfrm>
-            <a:off x="7881638" y="5142162"/>
-            <a:ext cx="3946729" cy="869790"/>
-          </a:xfrm>
-          <a:prstGeom prst="rect">
-            <a:avLst/>
-          </a:prstGeom>
-          <a:noFill/>
-        </p:spPr>
-        <p:txBody>
-          <a:bodyPr wrap="square" rtlCol="0">
-            <a:spAutoFit/>
-          </a:bodyPr>
-          <a:lstStyle/>
-          <a:p>
-            <a:pPr>
-              <a:lnSpc>
-                <a:spcPct val="150000"/>
-              </a:lnSpc>
-            </a:pPr>
-            <a:r>
-              <a:rPr lang="ko-KR" altLang="en-US" b="1" dirty="0"/>
-              <a:t>특정한 날짜일 필요는 없기 때문에</a:t>
-            </a:r>
-            <a:endParaRPr lang="en-US" altLang="ko-KR" b="1" dirty="0"/>
-          </a:p>
-          <a:p>
-            <a:pPr>
-              <a:lnSpc>
-                <a:spcPct val="150000"/>
-              </a:lnSpc>
-            </a:pPr>
-            <a:r>
-              <a:rPr lang="en-US" altLang="ko-KR" b="1" dirty="0"/>
-              <a:t>N</a:t>
-            </a:r>
-            <a:r>
-              <a:rPr lang="ko-KR" altLang="en-US" b="1" dirty="0"/>
-              <a:t>일중에 </a:t>
-            </a:r>
-            <a:r>
-              <a:rPr lang="ko-KR" altLang="en-US" b="1" dirty="0" err="1"/>
-              <a:t>아무날이나</a:t>
-            </a:r>
-            <a:r>
-              <a:rPr lang="ko-KR" altLang="en-US" b="1" dirty="0"/>
-              <a:t> 가능</a:t>
-            </a:r>
-            <a:endParaRPr lang="en-US" altLang="ko-KR" b="1" dirty="0"/>
+            <a:r>
+              <a:rPr lang="en-US" altLang="ko-KR" sz="2800" b="1" spc="-150" dirty="0"/>
+              <a:t>P{bi} = 1/n </a:t>
+            </a:r>
           </a:p>
         </p:txBody>
       </p:sp>
     </p:spTree>
     <p:extLst>
       <p:ext uri="{BB962C8B-B14F-4D97-AF65-F5344CB8AC3E}">
-        <p14:creationId xmlns:p14="http://schemas.microsoft.com/office/powerpoint/2010/main" val="2668124715"/>
+        <p14:creationId xmlns:p14="http://schemas.microsoft.com/office/powerpoint/2010/main" val="2829721104"/>
       </p:ext>
     </p:extLst>
   </p:cSld>
@@ -28572,7 +28495,7 @@
         <p:spPr>
           <a:xfrm>
             <a:off x="3487729" y="1195322"/>
-            <a:ext cx="8483440" cy="3032946"/>
+            <a:ext cx="8483440" cy="4325608"/>
           </a:xfrm>
           <a:prstGeom prst="rect">
             <a:avLst/>
@@ -28644,9 +28567,12 @@
             </a:pPr>
             <a:r>
               <a:rPr lang="ko-KR" altLang="en-US" sz="2800" b="1" spc="-150" dirty="0"/>
-              <a:t>적어도 두명의 생일이 다를 확률</a:t>
-            </a:r>
-            <a:endParaRPr lang="en-US" altLang="ko-KR" sz="2800" b="1" spc="-150" dirty="0"/>
+              <a:t>각각 두명의 생일이 독립적이라고 하면</a:t>
+            </a:r>
+            <a:r>
+              <a:rPr lang="en-US" altLang="ko-KR" sz="2800" b="1" spc="-150" dirty="0"/>
+              <a:t>,</a:t>
+            </a:r>
           </a:p>
           <a:p>
             <a:pPr>
@@ -28655,27 +28581,46 @@
               </a:lnSpc>
             </a:pPr>
             <a:r>
-              <a:rPr lang="en-US" altLang="ko-KR" sz="2800" b="1" spc="-150" dirty="0"/>
-              <a:t>= 1</a:t>
-            </a:r>
-            <a:r>
-              <a:rPr lang="ko-KR" altLang="en-US" sz="2800" b="1" spc="-150" dirty="0"/>
-              <a:t>에서 모든 생일이 다를 확률을 뺀다</a:t>
-            </a:r>
-            <a:r>
-              <a:rPr lang="en-US" altLang="ko-KR" sz="2800" b="1" spc="-150" dirty="0"/>
-              <a:t>.</a:t>
-            </a:r>
+              <a:rPr lang="en-US" altLang="ko-KR" sz="2800" b="1" dirty="0"/>
+              <a:t>P{bi and </a:t>
+            </a:r>
+            <a:r>
+              <a:rPr lang="en-US" altLang="ko-KR" sz="2800" b="1" dirty="0" err="1"/>
+              <a:t>bj</a:t>
+            </a:r>
+            <a:r>
+              <a:rPr lang="en-US" altLang="ko-KR" sz="2800" b="1" dirty="0"/>
+              <a:t>} = 1/(n*n)</a:t>
+            </a:r>
+          </a:p>
+          <a:p>
+            <a:pPr>
+              <a:lnSpc>
+                <a:spcPct val="150000"/>
+              </a:lnSpc>
+            </a:pPr>
+            <a:r>
+              <a:rPr lang="ko-KR" altLang="en-US" sz="2800" b="1" dirty="0"/>
+              <a:t>그렇다면 두사람의 생일이 같을 확률</a:t>
+            </a:r>
+            <a:endParaRPr lang="en-US" altLang="ko-KR" sz="2800" b="1" dirty="0"/>
+          </a:p>
+          <a:p>
+            <a:pPr>
+              <a:lnSpc>
+                <a:spcPct val="150000"/>
+              </a:lnSpc>
+            </a:pPr>
             <a:endParaRPr lang="en-US" altLang="ko-KR" sz="2800" b="1" dirty="0"/>
           </a:p>
         </p:txBody>
       </p:sp>
       <p:pic>
         <p:nvPicPr>
-          <p:cNvPr id="6" name="그림 5" descr="장치이(가) 표시된 사진&#10;&#10;자동 생성된 설명">
+          <p:cNvPr id="3" name="그림 2" descr="텍스트이(가) 표시된 사진&#10;&#10;자동 생성된 설명">
             <a:extLst>
               <a:ext uri="{FF2B5EF4-FFF2-40B4-BE49-F238E27FC236}">
-                <a16:creationId xmlns:a16="http://schemas.microsoft.com/office/drawing/2014/main" id="{6B97B6A8-7900-4F8D-B85D-B4FDD9180789}"/>
+                <a16:creationId xmlns:a16="http://schemas.microsoft.com/office/drawing/2014/main" id="{E74ED821-5571-4C93-B07B-7BD5B1DAD320}"/>
               </a:ext>
             </a:extLst>
           </p:cNvPr>
@@ -28698,8 +28643,8 @@
         </p:blipFill>
         <p:spPr>
           <a:xfrm>
-            <a:off x="9546391" y="4336908"/>
-            <a:ext cx="1781075" cy="1058320"/>
+            <a:off x="3582309" y="5066760"/>
+            <a:ext cx="4299330" cy="1563393"/>
           </a:xfrm>
           <a:prstGeom prst="rect">
             <a:avLst/>
@@ -28708,10 +28653,10 @@
       </p:pic>
       <p:sp>
         <p:nvSpPr>
-          <p:cNvPr id="23" name="TextBox 22">
+          <p:cNvPr id="21" name="TextBox 20">
             <a:extLst>
               <a:ext uri="{FF2B5EF4-FFF2-40B4-BE49-F238E27FC236}">
-                <a16:creationId xmlns:a16="http://schemas.microsoft.com/office/drawing/2014/main" id="{4E4595E9-926C-45BB-9376-30D812E1306E}"/>
+                <a16:creationId xmlns:a16="http://schemas.microsoft.com/office/drawing/2014/main" id="{1888969B-3FB2-4D7E-8D90-042A5132CFDC}"/>
               </a:ext>
             </a:extLst>
           </p:cNvPr>
@@ -28720,8 +28665,8 @@
         </p:nvSpPr>
         <p:spPr>
           <a:xfrm>
-            <a:off x="3487729" y="4313684"/>
-            <a:ext cx="5524803" cy="1700787"/>
+            <a:off x="7881638" y="5142162"/>
+            <a:ext cx="3946729" cy="869790"/>
           </a:xfrm>
           <a:prstGeom prst="rect">
             <a:avLst/>
@@ -28740,60 +28685,8 @@
               </a:lnSpc>
             </a:pPr>
             <a:r>
-              <a:rPr lang="en-US" altLang="ko-KR" b="1" dirty="0"/>
-              <a:t>Ai</a:t>
-            </a:r>
-            <a:r>
               <a:rPr lang="ko-KR" altLang="en-US" b="1" dirty="0"/>
-              <a:t>를 </a:t>
-            </a:r>
-            <a:r>
-              <a:rPr lang="en-US" altLang="ko-KR" b="1" dirty="0"/>
-              <a:t>(</a:t>
-            </a:r>
-            <a:r>
-              <a:rPr lang="ko-KR" altLang="en-US" b="1" dirty="0"/>
-              <a:t>자기 자신만</a:t>
-            </a:r>
-            <a:r>
-              <a:rPr lang="en-US" altLang="ko-KR" b="1" dirty="0"/>
-              <a:t>)</a:t>
-            </a:r>
-            <a:r>
-              <a:rPr lang="ko-KR" altLang="en-US" b="1" dirty="0"/>
-              <a:t> </a:t>
-            </a:r>
-            <a:r>
-              <a:rPr lang="en-US" altLang="ko-KR" b="1" dirty="0" err="1"/>
-              <a:t>i</a:t>
-            </a:r>
-            <a:r>
-              <a:rPr lang="en-US" altLang="ko-KR" b="1" dirty="0"/>
-              <a:t> </a:t>
-            </a:r>
-            <a:r>
-              <a:rPr lang="ko-KR" altLang="en-US" b="1" dirty="0"/>
-              <a:t>번째 사람의 생일이 </a:t>
-            </a:r>
-            <a:r>
-              <a:rPr lang="en-US" altLang="ko-KR" b="1" dirty="0"/>
-              <a:t>j &lt; </a:t>
-            </a:r>
-            <a:r>
-              <a:rPr lang="en-US" altLang="ko-KR" b="1" dirty="0" err="1"/>
-              <a:t>i</a:t>
-            </a:r>
-            <a:r>
-              <a:rPr lang="ko-KR" altLang="en-US" b="1" dirty="0"/>
-              <a:t>인 모든 </a:t>
-            </a:r>
-            <a:r>
-              <a:rPr lang="en-US" altLang="ko-KR" b="1" dirty="0"/>
-              <a:t>j</a:t>
-            </a:r>
-            <a:r>
-              <a:rPr lang="ko-KR" altLang="en-US" b="1" dirty="0"/>
-              <a:t>번째 사람들의 생일과 다른 사건이라고 하면 </a:t>
+              <a:t>특정한 날짜일 필요는 없기 때문에</a:t>
             </a:r>
             <a:endParaRPr lang="en-US" altLang="ko-KR" b="1" dirty="0"/>
           </a:p>
@@ -28804,36 +28697,21 @@
               </a:lnSpc>
             </a:pPr>
             <a:r>
+              <a:rPr lang="en-US" altLang="ko-KR" b="1" dirty="0"/>
+              <a:t>N</a:t>
+            </a:r>
+            <a:r>
               <a:rPr lang="ko-KR" altLang="en-US" b="1" dirty="0"/>
-              <a:t>다를 확률은 </a:t>
-            </a:r>
-            <a:r>
-              <a:rPr lang="en-US" altLang="ko-KR" b="1" dirty="0"/>
-              <a:t>1~K</a:t>
+              <a:t>일중에 </a:t>
+            </a:r>
+            <a:r>
+              <a:rPr lang="ko-KR" altLang="en-US" b="1" dirty="0" err="1"/>
+              <a:t>아무날이나</a:t>
             </a:r>
             <a:r>
               <a:rPr lang="ko-KR" altLang="en-US" b="1" dirty="0"/>
-              <a:t>까지 모든 </a:t>
-            </a:r>
-            <a:r>
-              <a:rPr lang="en-US" altLang="ko-KR" b="1" dirty="0"/>
-              <a:t>A</a:t>
-            </a:r>
-            <a:r>
-              <a:rPr lang="ko-KR" altLang="en-US" b="1" dirty="0"/>
-              <a:t>의 여집합이 된다</a:t>
-            </a:r>
-            <a:r>
-              <a:rPr lang="en-US" altLang="ko-KR" b="1" dirty="0"/>
-              <a:t>.</a:t>
-            </a:r>
-          </a:p>
-          <a:p>
-            <a:pPr>
-              <a:lnSpc>
-                <a:spcPct val="150000"/>
-              </a:lnSpc>
-            </a:pPr>
+              <a:t> 가능</a:t>
+            </a:r>
             <a:endParaRPr lang="en-US" altLang="ko-KR" b="1" dirty="0"/>
           </a:p>
         </p:txBody>
@@ -28841,7 +28719,7 @@
     </p:spTree>
     <p:extLst>
       <p:ext uri="{BB962C8B-B14F-4D97-AF65-F5344CB8AC3E}">
-        <p14:creationId xmlns:p14="http://schemas.microsoft.com/office/powerpoint/2010/main" val="1307057077"/>
+        <p14:creationId xmlns:p14="http://schemas.microsoft.com/office/powerpoint/2010/main" val="2668124715"/>
       </p:ext>
     </p:extLst>
   </p:cSld>
@@ -29943,7 +29821,7 @@
         <p:spPr>
           <a:xfrm>
             <a:off x="3487729" y="1195322"/>
-            <a:ext cx="8483440" cy="1172116"/>
+            <a:ext cx="8483440" cy="3032946"/>
           </a:xfrm>
           <a:prstGeom prst="rect">
             <a:avLst/>
@@ -29999,14 +29877,54 @@
             </a:r>
             <a:endParaRPr lang="en-US" altLang="ko-KR" sz="2500" b="1" dirty="0"/>
           </a:p>
+          <a:p>
+            <a:pPr>
+              <a:lnSpc>
+                <a:spcPct val="150000"/>
+              </a:lnSpc>
+            </a:pPr>
+            <a:endParaRPr lang="en-US" altLang="ko-KR" sz="2500" b="1" dirty="0"/>
+          </a:p>
+          <a:p>
+            <a:pPr>
+              <a:lnSpc>
+                <a:spcPct val="150000"/>
+              </a:lnSpc>
+            </a:pPr>
+            <a:r>
+              <a:rPr lang="ko-KR" altLang="en-US" sz="2800" b="1" spc="-150" dirty="0"/>
+              <a:t>적어도 두명의 생일이 다를 확률</a:t>
+            </a:r>
+            <a:endParaRPr lang="en-US" altLang="ko-KR" sz="2800" b="1" spc="-150" dirty="0"/>
+          </a:p>
+          <a:p>
+            <a:pPr>
+              <a:lnSpc>
+                <a:spcPct val="150000"/>
+              </a:lnSpc>
+            </a:pPr>
+            <a:r>
+              <a:rPr lang="en-US" altLang="ko-KR" sz="2800" b="1" spc="-150" dirty="0"/>
+              <a:t>= 1</a:t>
+            </a:r>
+            <a:r>
+              <a:rPr lang="ko-KR" altLang="en-US" sz="2800" b="1" spc="-150" dirty="0"/>
+              <a:t>에서 모든 생일이 다를 확률을 뺀다</a:t>
+            </a:r>
+            <a:r>
+              <a:rPr lang="en-US" altLang="ko-KR" sz="2800" b="1" spc="-150" dirty="0"/>
+              <a:t>.</a:t>
+            </a:r>
+            <a:endParaRPr lang="en-US" altLang="ko-KR" sz="2800" b="1" dirty="0"/>
+          </a:p>
         </p:txBody>
       </p:sp>
       <p:pic>
         <p:nvPicPr>
-          <p:cNvPr id="3" name="그림 2">
+          <p:cNvPr id="6" name="그림 5" descr="장치이(가) 표시된 사진&#10;&#10;자동 생성된 설명">
             <a:extLst>
               <a:ext uri="{FF2B5EF4-FFF2-40B4-BE49-F238E27FC236}">
-                <a16:creationId xmlns:a16="http://schemas.microsoft.com/office/drawing/2014/main" id="{7C471F30-5184-4E8F-A545-B735C3E4A209}"/>
+                <a16:creationId xmlns:a16="http://schemas.microsoft.com/office/drawing/2014/main" id="{6B97B6A8-7900-4F8D-B85D-B4FDD9180789}"/>
               </a:ext>
             </a:extLst>
           </p:cNvPr>
@@ -30029,8 +29947,8 @@
         </p:blipFill>
         <p:spPr>
           <a:xfrm>
-            <a:off x="3676843" y="2367438"/>
-            <a:ext cx="5822034" cy="1728927"/>
+            <a:off x="9546391" y="4336908"/>
+            <a:ext cx="1781075" cy="1058320"/>
           </a:xfrm>
           <a:prstGeom prst="rect">
             <a:avLst/>
@@ -30039,92 +29957,10 @@
       </p:pic>
       <p:sp>
         <p:nvSpPr>
-          <p:cNvPr id="25" name="화살표: 아래쪽 24">
+          <p:cNvPr id="23" name="TextBox 22">
             <a:extLst>
               <a:ext uri="{FF2B5EF4-FFF2-40B4-BE49-F238E27FC236}">
-                <a16:creationId xmlns:a16="http://schemas.microsoft.com/office/drawing/2014/main" id="{FA1A999D-D441-4CE2-A2D1-CAC53607F732}"/>
-              </a:ext>
-            </a:extLst>
-          </p:cNvPr>
-          <p:cNvSpPr/>
-          <p:nvPr/>
-        </p:nvSpPr>
-        <p:spPr>
-          <a:xfrm>
-            <a:off x="10335790" y="3067667"/>
-            <a:ext cx="798466" cy="1728927"/>
-          </a:xfrm>
-          <a:prstGeom prst="downArrow">
-            <a:avLst/>
-          </a:prstGeom>
-        </p:spPr>
-        <p:style>
-          <a:lnRef idx="2">
-            <a:schemeClr val="accent1">
-              <a:shade val="50000"/>
-            </a:schemeClr>
-          </a:lnRef>
-          <a:fillRef idx="1">
-            <a:schemeClr val="accent1"/>
-          </a:fillRef>
-          <a:effectRef idx="0">
-            <a:schemeClr val="accent1"/>
-          </a:effectRef>
-          <a:fontRef idx="minor">
-            <a:schemeClr val="lt1"/>
-          </a:fontRef>
-        </p:style>
-        <p:txBody>
-          <a:bodyPr rtlCol="0" anchor="ctr"/>
-          <a:lstStyle/>
-          <a:p>
-            <a:pPr algn="ctr"/>
-            <a:endParaRPr lang="ko-KR" altLang="en-US"/>
-          </a:p>
-        </p:txBody>
-      </p:sp>
-      <p:pic>
-        <p:nvPicPr>
-          <p:cNvPr id="6" name="그림 5" descr="개체, 손목시계, 게이지, 시계이(가) 표시된 사진&#10;&#10;자동 생성된 설명">
-            <a:extLst>
-              <a:ext uri="{FF2B5EF4-FFF2-40B4-BE49-F238E27FC236}">
-                <a16:creationId xmlns:a16="http://schemas.microsoft.com/office/drawing/2014/main" id="{71FD7089-B1B8-4A5D-B443-C8F1E56B2632}"/>
-              </a:ext>
-            </a:extLst>
-          </p:cNvPr>
-          <p:cNvPicPr>
-            <a:picLocks noChangeAspect="1"/>
-          </p:cNvPicPr>
-          <p:nvPr/>
-        </p:nvPicPr>
-        <p:blipFill>
-          <a:blip r:embed="rId3">
-            <a:extLst>
-              <a:ext uri="{28A0092B-C50C-407E-A947-70E740481C1C}">
-                <a14:useLocalDpi xmlns:a14="http://schemas.microsoft.com/office/drawing/2010/main" val="0"/>
-              </a:ext>
-            </a:extLst>
-          </a:blip>
-          <a:stretch>
-            <a:fillRect/>
-          </a:stretch>
-        </p:blipFill>
-        <p:spPr>
-          <a:xfrm>
-            <a:off x="3708690" y="4562928"/>
-            <a:ext cx="5380913" cy="832299"/>
-          </a:xfrm>
-          <a:prstGeom prst="rect">
-            <a:avLst/>
-          </a:prstGeom>
-        </p:spPr>
-      </p:pic>
-      <p:sp>
-        <p:nvSpPr>
-          <p:cNvPr id="7" name="TextBox 6">
-            <a:extLst>
-              <a:ext uri="{FF2B5EF4-FFF2-40B4-BE49-F238E27FC236}">
-                <a16:creationId xmlns:a16="http://schemas.microsoft.com/office/drawing/2014/main" id="{2FAD5E4D-9594-44CE-A791-4728C39423B0}"/>
+                <a16:creationId xmlns:a16="http://schemas.microsoft.com/office/drawing/2014/main" id="{4E4595E9-926C-45BB-9376-30D812E1306E}"/>
               </a:ext>
             </a:extLst>
           </p:cNvPr>
@@ -30133,8 +29969,8 @@
         </p:nvSpPr>
         <p:spPr>
           <a:xfrm>
-            <a:off x="3676842" y="5666282"/>
-            <a:ext cx="7895561" cy="1107996"/>
+            <a:off x="3487729" y="4313684"/>
+            <a:ext cx="5524803" cy="1700787"/>
           </a:xfrm>
           <a:prstGeom prst="rect">
             <a:avLst/>
@@ -30147,48 +29983,114 @@
           </a:bodyPr>
           <a:lstStyle/>
           <a:p>
-            <a:r>
-              <a:rPr lang="en-US" altLang="ko-KR" sz="2200" dirty="0"/>
-              <a:t> = N</a:t>
-            </a:r>
-            <a:r>
-              <a:rPr lang="ko-KR" altLang="en-US" sz="2200" dirty="0"/>
-              <a:t>일중에 다른 사람 생일이 아닌 날인 확률</a:t>
-            </a:r>
-            <a:endParaRPr lang="en-US" altLang="ko-KR" sz="2200" dirty="0"/>
-          </a:p>
-          <a:p>
-            <a:endParaRPr lang="en-US" altLang="ko-KR" sz="2200" dirty="0"/>
-          </a:p>
-          <a:p>
-            <a:r>
-              <a:rPr lang="en-US" altLang="ko-KR" sz="2200" dirty="0"/>
-              <a:t>Bk-1</a:t>
-            </a:r>
-            <a:r>
-              <a:rPr lang="ko-KR" altLang="en-US" sz="2200" dirty="0"/>
-              <a:t>이 전제되었다 </a:t>
-            </a:r>
-            <a:r>
-              <a:rPr lang="en-US" altLang="ko-KR" sz="2200" dirty="0"/>
-              <a:t>= k-1</a:t>
-            </a:r>
-            <a:r>
-              <a:rPr lang="ko-KR" altLang="en-US" sz="2200" dirty="0"/>
-              <a:t>까지 사람들이 다 생일이 다르다</a:t>
-            </a:r>
-            <a:r>
-              <a:rPr lang="en-US" altLang="ko-KR" sz="2200" dirty="0"/>
+            <a:pPr>
+              <a:lnSpc>
+                <a:spcPct val="150000"/>
+              </a:lnSpc>
+            </a:pPr>
+            <a:r>
+              <a:rPr lang="en-US" altLang="ko-KR" b="1" dirty="0"/>
+              <a:t>Ai</a:t>
+            </a:r>
+            <a:r>
+              <a:rPr lang="ko-KR" altLang="en-US" b="1" dirty="0"/>
+              <a:t>를 </a:t>
+            </a:r>
+            <a:r>
+              <a:rPr lang="en-US" altLang="ko-KR" b="1" dirty="0"/>
+              <a:t>(</a:t>
+            </a:r>
+            <a:r>
+              <a:rPr lang="ko-KR" altLang="en-US" b="1" dirty="0"/>
+              <a:t>자기 자신만</a:t>
+            </a:r>
+            <a:r>
+              <a:rPr lang="en-US" altLang="ko-KR" b="1" dirty="0"/>
+              <a:t>)</a:t>
+            </a:r>
+            <a:r>
+              <a:rPr lang="ko-KR" altLang="en-US" b="1" dirty="0"/>
+              <a:t> </a:t>
+            </a:r>
+            <a:r>
+              <a:rPr lang="en-US" altLang="ko-KR" b="1" dirty="0" err="1"/>
+              <a:t>i</a:t>
+            </a:r>
+            <a:r>
+              <a:rPr lang="en-US" altLang="ko-KR" b="1" dirty="0"/>
+              <a:t> </a:t>
+            </a:r>
+            <a:r>
+              <a:rPr lang="ko-KR" altLang="en-US" b="1" dirty="0"/>
+              <a:t>번째 사람의 생일이 </a:t>
+            </a:r>
+            <a:r>
+              <a:rPr lang="en-US" altLang="ko-KR" b="1" dirty="0"/>
+              <a:t>j &lt; </a:t>
+            </a:r>
+            <a:r>
+              <a:rPr lang="en-US" altLang="ko-KR" b="1" dirty="0" err="1"/>
+              <a:t>i</a:t>
+            </a:r>
+            <a:r>
+              <a:rPr lang="ko-KR" altLang="en-US" b="1" dirty="0"/>
+              <a:t>인 모든 </a:t>
+            </a:r>
+            <a:r>
+              <a:rPr lang="en-US" altLang="ko-KR" b="1" dirty="0"/>
+              <a:t>j</a:t>
+            </a:r>
+            <a:r>
+              <a:rPr lang="ko-KR" altLang="en-US" b="1" dirty="0"/>
+              <a:t>번째 사람들의 생일과 다른 사건이라고 하면 </a:t>
+            </a:r>
+            <a:endParaRPr lang="en-US" altLang="ko-KR" b="1" dirty="0"/>
+          </a:p>
+          <a:p>
+            <a:pPr>
+              <a:lnSpc>
+                <a:spcPct val="150000"/>
+              </a:lnSpc>
+            </a:pPr>
+            <a:r>
+              <a:rPr lang="ko-KR" altLang="en-US" b="1" dirty="0"/>
+              <a:t>다를 확률은 </a:t>
+            </a:r>
+            <a:r>
+              <a:rPr lang="en-US" altLang="ko-KR" b="1" dirty="0"/>
+              <a:t>1~K</a:t>
+            </a:r>
+            <a:r>
+              <a:rPr lang="ko-KR" altLang="en-US" b="1" dirty="0"/>
+              <a:t>까지 모든 </a:t>
+            </a:r>
+            <a:r>
+              <a:rPr lang="en-US" altLang="ko-KR" b="1" dirty="0"/>
+              <a:t>A</a:t>
+            </a:r>
+            <a:r>
+              <a:rPr lang="ko-KR" altLang="en-US" b="1" dirty="0"/>
+              <a:t>의 여집합이 된다</a:t>
+            </a:r>
+            <a:r>
+              <a:rPr lang="en-US" altLang="ko-KR" b="1" dirty="0"/>
               <a:t>.</a:t>
             </a:r>
-            <a:endParaRPr lang="ko-KR" altLang="en-US" sz="2200" dirty="0"/>
+          </a:p>
+          <a:p>
+            <a:pPr>
+              <a:lnSpc>
+                <a:spcPct val="150000"/>
+              </a:lnSpc>
+            </a:pPr>
+            <a:endParaRPr lang="en-US" altLang="ko-KR" b="1" dirty="0"/>
           </a:p>
         </p:txBody>
       </p:sp>
     </p:spTree>
     <p:extLst>
       <p:ext uri="{BB962C8B-B14F-4D97-AF65-F5344CB8AC3E}">
-        <p14:creationId xmlns:p14="http://schemas.microsoft.com/office/powerpoint/2010/main" val="1381430335"/>
+        <p14:creationId xmlns:p14="http://schemas.microsoft.com/office/powerpoint/2010/main" val="1307057077"/>
       </p:ext>
     </p:extLst>
   </p:cSld>
@@ -31350,10 +31252,10 @@
       </p:sp>
       <p:pic>
         <p:nvPicPr>
-          <p:cNvPr id="8" name="그림 7">
+          <p:cNvPr id="3" name="그림 2">
             <a:extLst>
               <a:ext uri="{FF2B5EF4-FFF2-40B4-BE49-F238E27FC236}">
-                <a16:creationId xmlns:a16="http://schemas.microsoft.com/office/drawing/2014/main" id="{F8B64B4D-0BDF-4C7C-B086-C741D680D619}"/>
+                <a16:creationId xmlns:a16="http://schemas.microsoft.com/office/drawing/2014/main" id="{7C471F30-5184-4E8F-A545-B735C3E4A209}"/>
               </a:ext>
             </a:extLst>
           </p:cNvPr>
@@ -31376,8 +31278,8 @@
         </p:blipFill>
         <p:spPr>
           <a:xfrm>
-            <a:off x="3770575" y="2445432"/>
-            <a:ext cx="4414050" cy="1917136"/>
+            <a:off x="3676843" y="2367438"/>
+            <a:ext cx="5822034" cy="1728927"/>
           </a:xfrm>
           <a:prstGeom prst="rect">
             <a:avLst/>
@@ -31432,10 +31334,10 @@
       </p:sp>
       <p:pic>
         <p:nvPicPr>
-          <p:cNvPr id="29" name="그림 28" descr="텍스트이(가) 표시된 사진&#10;&#10;자동 생성된 설명">
+          <p:cNvPr id="6" name="그림 5" descr="개체, 손목시계, 게이지, 시계이(가) 표시된 사진&#10;&#10;자동 생성된 설명">
             <a:extLst>
               <a:ext uri="{FF2B5EF4-FFF2-40B4-BE49-F238E27FC236}">
-                <a16:creationId xmlns:a16="http://schemas.microsoft.com/office/drawing/2014/main" id="{26CC770B-DCAC-4B30-94C8-6F64F1158007}"/>
+                <a16:creationId xmlns:a16="http://schemas.microsoft.com/office/drawing/2014/main" id="{71FD7089-B1B8-4A5D-B443-C8F1E56B2632}"/>
               </a:ext>
             </a:extLst>
           </p:cNvPr>
@@ -31458,18 +31360,84 @@
         </p:blipFill>
         <p:spPr>
           <a:xfrm>
-            <a:off x="3593630" y="4582546"/>
-            <a:ext cx="4414046" cy="2160264"/>
+            <a:off x="3708690" y="4562928"/>
+            <a:ext cx="5380913" cy="832299"/>
           </a:xfrm>
           <a:prstGeom prst="rect">
             <a:avLst/>
           </a:prstGeom>
         </p:spPr>
       </p:pic>
+      <p:sp>
+        <p:nvSpPr>
+          <p:cNvPr id="7" name="TextBox 6">
+            <a:extLst>
+              <a:ext uri="{FF2B5EF4-FFF2-40B4-BE49-F238E27FC236}">
+                <a16:creationId xmlns:a16="http://schemas.microsoft.com/office/drawing/2014/main" id="{2FAD5E4D-9594-44CE-A791-4728C39423B0}"/>
+              </a:ext>
+            </a:extLst>
+          </p:cNvPr>
+          <p:cNvSpPr txBox="1"/>
+          <p:nvPr/>
+        </p:nvSpPr>
+        <p:spPr>
+          <a:xfrm>
+            <a:off x="3676842" y="5666282"/>
+            <a:ext cx="7895561" cy="1107996"/>
+          </a:xfrm>
+          <a:prstGeom prst="rect">
+            <a:avLst/>
+          </a:prstGeom>
+          <a:noFill/>
+        </p:spPr>
+        <p:txBody>
+          <a:bodyPr wrap="square" rtlCol="0">
+            <a:spAutoFit/>
+          </a:bodyPr>
+          <a:lstStyle/>
+          <a:p>
+            <a:r>
+              <a:rPr lang="en-US" altLang="ko-KR" sz="2200" dirty="0"/>
+              <a:t> = N</a:t>
+            </a:r>
+            <a:r>
+              <a:rPr lang="ko-KR" altLang="en-US" sz="2200" dirty="0"/>
+              <a:t>일중에 다른 사람 생일이 아닌 날인 확률</a:t>
+            </a:r>
+            <a:endParaRPr lang="en-US" altLang="ko-KR" sz="2200" dirty="0"/>
+          </a:p>
+          <a:p>
+            <a:endParaRPr lang="en-US" altLang="ko-KR" sz="2200" dirty="0"/>
+          </a:p>
+          <a:p>
+            <a:r>
+              <a:rPr lang="en-US" altLang="ko-KR" sz="2200" dirty="0"/>
+              <a:t>Bk-1</a:t>
+            </a:r>
+            <a:r>
+              <a:rPr lang="ko-KR" altLang="en-US" sz="2200" dirty="0"/>
+              <a:t>이 전제되었다 </a:t>
+            </a:r>
+            <a:r>
+              <a:rPr lang="en-US" altLang="ko-KR" sz="2200" dirty="0"/>
+              <a:t>= k-1</a:t>
+            </a:r>
+            <a:r>
+              <a:rPr lang="ko-KR" altLang="en-US" sz="2200" dirty="0"/>
+              <a:t>까지 사람들이 다 생일이 다르다</a:t>
+            </a:r>
+            <a:r>
+              <a:rPr lang="en-US" altLang="ko-KR" sz="2200" dirty="0"/>
+              <a:t>.</a:t>
+            </a:r>
+            <a:endParaRPr lang="ko-KR" altLang="en-US" sz="2200" dirty="0"/>
+          </a:p>
+        </p:txBody>
+      </p:sp>
     </p:spTree>
     <p:extLst>
       <p:ext uri="{BB962C8B-B14F-4D97-AF65-F5344CB8AC3E}">
-        <p14:creationId xmlns:p14="http://schemas.microsoft.com/office/powerpoint/2010/main" val="1250449134"/>
+        <p14:creationId xmlns:p14="http://schemas.microsoft.com/office/powerpoint/2010/main" val="1381430335"/>
       </p:ext>
     </p:extLst>
   </p:cSld>
@@ -32631,10 +32599,10 @@
       </p:sp>
       <p:pic>
         <p:nvPicPr>
-          <p:cNvPr id="9" name="그림 8" descr="개체, 게이지, 장치이(가) 표시된 사진&#10;&#10;자동 생성된 설명">
+          <p:cNvPr id="8" name="그림 7">
             <a:extLst>
               <a:ext uri="{FF2B5EF4-FFF2-40B4-BE49-F238E27FC236}">
-                <a16:creationId xmlns:a16="http://schemas.microsoft.com/office/drawing/2014/main" id="{953DC710-09D4-4753-A651-330B3090AFD9}"/>
+                <a16:creationId xmlns:a16="http://schemas.microsoft.com/office/drawing/2014/main" id="{F8B64B4D-0BDF-4C7C-B086-C741D680D619}"/>
               </a:ext>
             </a:extLst>
           </p:cNvPr>
@@ -32657,8 +32625,8 @@
         </p:blipFill>
         <p:spPr>
           <a:xfrm>
-            <a:off x="3770574" y="2679068"/>
-            <a:ext cx="7482681" cy="926427"/>
+            <a:off x="3770575" y="2445432"/>
+            <a:ext cx="4414050" cy="1917136"/>
           </a:xfrm>
           <a:prstGeom prst="rect">
             <a:avLst/>
@@ -32667,84 +32635,90 @@
       </p:pic>
       <p:sp>
         <p:nvSpPr>
-          <p:cNvPr id="30" name="TextBox 29">
+          <p:cNvPr id="25" name="화살표: 아래쪽 24">
             <a:extLst>
               <a:ext uri="{FF2B5EF4-FFF2-40B4-BE49-F238E27FC236}">
-                <a16:creationId xmlns:a16="http://schemas.microsoft.com/office/drawing/2014/main" id="{7AFF3EF3-6190-4083-A8AA-5F2517471935}"/>
+                <a16:creationId xmlns:a16="http://schemas.microsoft.com/office/drawing/2014/main" id="{FA1A999D-D441-4CE2-A2D1-CAC53607F732}"/>
               </a:ext>
             </a:extLst>
           </p:cNvPr>
-          <p:cNvSpPr txBox="1"/>
+          <p:cNvSpPr/>
           <p:nvPr/>
         </p:nvSpPr>
         <p:spPr>
           <a:xfrm>
-            <a:off x="3770574" y="4033428"/>
-            <a:ext cx="7125295" cy="1938992"/>
-          </a:xfrm>
-          <a:prstGeom prst="rect">
-            <a:avLst/>
-          </a:prstGeom>
-          <a:noFill/>
-        </p:spPr>
+            <a:off x="10335790" y="3067667"/>
+            <a:ext cx="798466" cy="1728927"/>
+          </a:xfrm>
+          <a:prstGeom prst="downArrow">
+            <a:avLst/>
+          </a:prstGeom>
+        </p:spPr>
+        <p:style>
+          <a:lnRef idx="2">
+            <a:schemeClr val="accent1">
+              <a:shade val="50000"/>
+            </a:schemeClr>
+          </a:lnRef>
+          <a:fillRef idx="1">
+            <a:schemeClr val="accent1"/>
+          </a:fillRef>
+          <a:effectRef idx="0">
+            <a:schemeClr val="accent1"/>
+          </a:effectRef>
+          <a:fontRef idx="minor">
+            <a:schemeClr val="lt1"/>
+          </a:fontRef>
+        </p:style>
         <p:txBody>
-          <a:bodyPr wrap="square" rtlCol="0">
-            <a:spAutoFit/>
-          </a:bodyPr>
+          <a:bodyPr rtlCol="0" anchor="ctr"/>
           <a:lstStyle/>
           <a:p>
-            <a:r>
-              <a:rPr lang="en-US" altLang="ko-KR" sz="3000" spc="-150" dirty="0"/>
-              <a:t>N =365</a:t>
-            </a:r>
-            <a:r>
-              <a:rPr lang="ko-KR" altLang="en-US" sz="3000" spc="-150" dirty="0"/>
-              <a:t>이므로 </a:t>
-            </a:r>
-            <a:r>
-              <a:rPr lang="en-US" altLang="ko-KR" sz="3000" spc="-150" dirty="0"/>
-              <a:t>K &gt;= 23</a:t>
-            </a:r>
-          </a:p>
-          <a:p>
-            <a:endParaRPr lang="en-US" altLang="ko-KR" sz="3000" spc="-150" dirty="0"/>
-          </a:p>
-          <a:p>
-            <a:r>
-              <a:rPr lang="en-US" altLang="ko-KR" sz="3000" spc="-150" dirty="0"/>
-              <a:t>23</a:t>
-            </a:r>
-            <a:r>
-              <a:rPr lang="ko-KR" altLang="en-US" sz="3000" spc="-150" dirty="0"/>
-              <a:t>명 이상의 사람이 있다면 생일이 같은 </a:t>
-            </a:r>
-            <a:endParaRPr lang="en-US" altLang="ko-KR" sz="3000" spc="-150" dirty="0"/>
-          </a:p>
-          <a:p>
-            <a:r>
-              <a:rPr lang="ko-KR" altLang="en-US" sz="3000" spc="-150" dirty="0"/>
-              <a:t>사람이 있을 확률은 </a:t>
-            </a:r>
-            <a:r>
-              <a:rPr lang="en-US" altLang="ko-KR" sz="3000" spc="-150" dirty="0"/>
-              <a:t>0.5 </a:t>
-            </a:r>
-            <a:r>
-              <a:rPr lang="ko-KR" altLang="en-US" sz="3000" spc="-150" dirty="0"/>
-              <a:t>이상이다</a:t>
-            </a:r>
-            <a:r>
-              <a:rPr lang="en-US" altLang="ko-KR" sz="3000" spc="-150" dirty="0"/>
-              <a:t>.</a:t>
-            </a:r>
-            <a:endParaRPr lang="ko-KR" altLang="en-US" sz="3000" spc="-150" dirty="0"/>
+            <a:pPr algn="ctr"/>
+            <a:endParaRPr lang="ko-KR" altLang="en-US"/>
           </a:p>
         </p:txBody>
       </p:sp>
+      <p:pic>
+        <p:nvPicPr>
+          <p:cNvPr id="29" name="그림 28" descr="텍스트이(가) 표시된 사진&#10;&#10;자동 생성된 설명">
+            <a:extLst>
+              <a:ext uri="{FF2B5EF4-FFF2-40B4-BE49-F238E27FC236}">
+                <a16:creationId xmlns:a16="http://schemas.microsoft.com/office/drawing/2014/main" id="{26CC770B-DCAC-4B30-94C8-6F64F1158007}"/>
+              </a:ext>
+            </a:extLst>
+          </p:cNvPr>
+          <p:cNvPicPr>
+            <a:picLocks noChangeAspect="1"/>
+          </p:cNvPicPr>
+          <p:nvPr/>
+        </p:nvPicPr>
+        <p:blipFill>
+          <a:blip r:embed="rId3">
+            <a:extLst>
+              <a:ext uri="{28A0092B-C50C-407E-A947-70E740481C1C}">
+                <a14:useLocalDpi xmlns:a14="http://schemas.microsoft.com/office/drawing/2010/main" val="0"/>
+              </a:ext>
+            </a:extLst>
+          </a:blip>
+          <a:stretch>
+            <a:fillRect/>
+          </a:stretch>
+        </p:blipFill>
+        <p:spPr>
+          <a:xfrm>
+            <a:off x="3593630" y="4582546"/>
+            <a:ext cx="4414046" cy="2160264"/>
+          </a:xfrm>
+          <a:prstGeom prst="rect">
+            <a:avLst/>
+          </a:prstGeom>
+        </p:spPr>
+      </p:pic>
     </p:spTree>
     <p:extLst>
       <p:ext uri="{BB962C8B-B14F-4D97-AF65-F5344CB8AC3E}">
-        <p14:creationId xmlns:p14="http://schemas.microsoft.com/office/powerpoint/2010/main" val="412751977"/>
+        <p14:creationId xmlns:p14="http://schemas.microsoft.com/office/powerpoint/2010/main" val="1250449134"/>
       </p:ext>
     </p:extLst>
   </p:cSld>
@@ -35012,7 +34986,7 @@
         <p:spPr>
           <a:xfrm>
             <a:off x="3487729" y="1195322"/>
-            <a:ext cx="8483440" cy="3171446"/>
+            <a:ext cx="8483440" cy="1172116"/>
           </a:xfrm>
           <a:prstGeom prst="rect">
             <a:avLst/>
@@ -35025,128 +34999,167 @@
           </a:bodyPr>
           <a:lstStyle/>
           <a:p>
+            <a:pPr marL="457200" indent="-457200">
+              <a:lnSpc>
+                <a:spcPct val="150000"/>
+              </a:lnSpc>
+              <a:buAutoNum type="arabicPeriod"/>
+            </a:pPr>
+            <a:r>
+              <a:rPr lang="ko-KR" altLang="en-US" sz="2500" b="1" dirty="0"/>
+              <a:t>한 방에 </a:t>
+            </a:r>
+            <a:r>
+              <a:rPr lang="en-US" altLang="ko-KR" sz="2500" b="1" dirty="0"/>
+              <a:t>K</a:t>
+            </a:r>
+            <a:r>
+              <a:rPr lang="ko-KR" altLang="en-US" sz="2500" b="1" dirty="0"/>
+              <a:t>명의 사람들이 있을 때</a:t>
+            </a:r>
+            <a:r>
+              <a:rPr lang="en-US" altLang="ko-KR" sz="2500" b="1" dirty="0"/>
+              <a:t>, </a:t>
+            </a:r>
+          </a:p>
+          <a:p>
             <a:pPr>
               <a:lnSpc>
                 <a:spcPct val="150000"/>
               </a:lnSpc>
             </a:pPr>
             <a:r>
+              <a:rPr lang="ko-KR" altLang="en-US" sz="2500" b="1" dirty="0"/>
+              <a:t>      </a:t>
+            </a:r>
+            <a:r>
               <a:rPr lang="en-US" altLang="ko-KR" sz="2500" b="1" dirty="0"/>
-              <a:t>2. </a:t>
+              <a:t>2</a:t>
             </a:r>
             <a:r>
               <a:rPr lang="ko-KR" altLang="en-US" sz="2500" b="1" dirty="0"/>
-              <a:t>공과 주머니</a:t>
+              <a:t>명의 생일이 같을 확률</a:t>
             </a:r>
             <a:endParaRPr lang="en-US" altLang="ko-KR" sz="2500" b="1" dirty="0"/>
           </a:p>
-          <a:p>
-            <a:pPr marL="514350" indent="-514350">
-              <a:lnSpc>
-                <a:spcPct val="150000"/>
-              </a:lnSpc>
-              <a:buAutoNum type="alphaUcPeriod" startAt="17"/>
-            </a:pPr>
-            <a:r>
-              <a:rPr lang="ko-KR" altLang="en-US" sz="2800" b="1" dirty="0">
-                <a:solidFill>
-                  <a:srgbClr val="C00000"/>
-                </a:solidFill>
-              </a:rPr>
-              <a:t>똑같은 공들을 </a:t>
-            </a:r>
-            <a:r>
-              <a:rPr lang="en-US" altLang="ko-KR" sz="2800" b="1" dirty="0">
-                <a:solidFill>
-                  <a:srgbClr val="C00000"/>
-                </a:solidFill>
-              </a:rPr>
-              <a:t>1,2,…b </a:t>
-            </a:r>
-            <a:r>
-              <a:rPr lang="ko-KR" altLang="en-US" sz="2800" b="1" dirty="0">
-                <a:solidFill>
-                  <a:srgbClr val="C00000"/>
-                </a:solidFill>
-              </a:rPr>
-              <a:t>번호가 붙은 </a:t>
-            </a:r>
-            <a:r>
-              <a:rPr lang="en-US" altLang="ko-KR" sz="2800" b="1" dirty="0">
-                <a:solidFill>
-                  <a:srgbClr val="C00000"/>
-                </a:solidFill>
-              </a:rPr>
-              <a:t>b</a:t>
-            </a:r>
-            <a:r>
-              <a:rPr lang="ko-KR" altLang="en-US" sz="2800" b="1" dirty="0">
-                <a:solidFill>
-                  <a:srgbClr val="C00000"/>
-                </a:solidFill>
-              </a:rPr>
-              <a:t>개의 주머니 중 하나에 랜덤으로 던졌을 때 </a:t>
-            </a:r>
-            <a:endParaRPr lang="en-US" altLang="ko-KR" sz="2800" b="1" dirty="0">
-              <a:solidFill>
-                <a:srgbClr val="C00000"/>
-              </a:solidFill>
-            </a:endParaRPr>
-          </a:p>
-          <a:p>
-            <a:pPr>
-              <a:lnSpc>
-                <a:spcPct val="150000"/>
-              </a:lnSpc>
-            </a:pPr>
-            <a:r>
-              <a:rPr lang="ko-KR" altLang="en-US" sz="2800" b="1" dirty="0">
-                <a:solidFill>
-                  <a:srgbClr val="C00000"/>
-                </a:solidFill>
-              </a:rPr>
-              <a:t>모든 주머니에 하나씩 들어가게 하려면 </a:t>
-            </a:r>
-            <a:endParaRPr lang="en-US" altLang="ko-KR" sz="2800" b="1" dirty="0">
-              <a:solidFill>
-                <a:srgbClr val="C00000"/>
-              </a:solidFill>
-            </a:endParaRPr>
-          </a:p>
-          <a:p>
-            <a:pPr>
-              <a:lnSpc>
-                <a:spcPct val="150000"/>
-              </a:lnSpc>
-            </a:pPr>
-            <a:r>
-              <a:rPr lang="ko-KR" altLang="en-US" sz="2800" b="1" dirty="0">
-                <a:solidFill>
-                  <a:srgbClr val="C00000"/>
-                </a:solidFill>
-              </a:rPr>
-              <a:t>몇 개를 던져야 할까</a:t>
-            </a:r>
-            <a:r>
-              <a:rPr lang="en-US" altLang="ko-KR" sz="2800" b="1" dirty="0">
-                <a:solidFill>
-                  <a:srgbClr val="C00000"/>
-                </a:solidFill>
-              </a:rPr>
-              <a:t>?</a:t>
-            </a:r>
-            <a:endParaRPr lang="en-US" altLang="ko-KR" sz="2800" b="1" spc="-150" dirty="0">
-              <a:solidFill>
-                <a:srgbClr val="C00000"/>
-              </a:solidFill>
-            </a:endParaRPr>
+        </p:txBody>
+      </p:sp>
+      <p:pic>
+        <p:nvPicPr>
+          <p:cNvPr id="9" name="그림 8" descr="개체, 게이지, 장치이(가) 표시된 사진&#10;&#10;자동 생성된 설명">
+            <a:extLst>
+              <a:ext uri="{FF2B5EF4-FFF2-40B4-BE49-F238E27FC236}">
+                <a16:creationId xmlns:a16="http://schemas.microsoft.com/office/drawing/2014/main" id="{953DC710-09D4-4753-A651-330B3090AFD9}"/>
+              </a:ext>
+            </a:extLst>
+          </p:cNvPr>
+          <p:cNvPicPr>
+            <a:picLocks noChangeAspect="1"/>
+          </p:cNvPicPr>
+          <p:nvPr/>
+        </p:nvPicPr>
+        <p:blipFill>
+          <a:blip r:embed="rId2">
+            <a:extLst>
+              <a:ext uri="{28A0092B-C50C-407E-A947-70E740481C1C}">
+                <a14:useLocalDpi xmlns:a14="http://schemas.microsoft.com/office/drawing/2010/main" val="0"/>
+              </a:ext>
+            </a:extLst>
+          </a:blip>
+          <a:stretch>
+            <a:fillRect/>
+          </a:stretch>
+        </p:blipFill>
+        <p:spPr>
+          <a:xfrm>
+            <a:off x="3770574" y="2679068"/>
+            <a:ext cx="7482681" cy="926427"/>
+          </a:xfrm>
+          <a:prstGeom prst="rect">
+            <a:avLst/>
+          </a:prstGeom>
+        </p:spPr>
+      </p:pic>
+      <p:sp>
+        <p:nvSpPr>
+          <p:cNvPr id="30" name="TextBox 29">
+            <a:extLst>
+              <a:ext uri="{FF2B5EF4-FFF2-40B4-BE49-F238E27FC236}">
+                <a16:creationId xmlns:a16="http://schemas.microsoft.com/office/drawing/2014/main" id="{7AFF3EF3-6190-4083-A8AA-5F2517471935}"/>
+              </a:ext>
+            </a:extLst>
+          </p:cNvPr>
+          <p:cNvSpPr txBox="1"/>
+          <p:nvPr/>
+        </p:nvSpPr>
+        <p:spPr>
+          <a:xfrm>
+            <a:off x="3770574" y="4033428"/>
+            <a:ext cx="7125295" cy="1938992"/>
+          </a:xfrm>
+          <a:prstGeom prst="rect">
+            <a:avLst/>
+          </a:prstGeom>
+          <a:noFill/>
+        </p:spPr>
+        <p:txBody>
+          <a:bodyPr wrap="square" rtlCol="0">
+            <a:spAutoFit/>
+          </a:bodyPr>
+          <a:lstStyle/>
+          <a:p>
+            <a:r>
+              <a:rPr lang="en-US" altLang="ko-KR" sz="3000" spc="-150" dirty="0"/>
+              <a:t>N =365</a:t>
+            </a:r>
+            <a:r>
+              <a:rPr lang="ko-KR" altLang="en-US" sz="3000" spc="-150" dirty="0"/>
+              <a:t>이므로 </a:t>
+            </a:r>
+            <a:r>
+              <a:rPr lang="en-US" altLang="ko-KR" sz="3000" spc="-150" dirty="0"/>
+              <a:t>K &gt;= 23</a:t>
+            </a:r>
+          </a:p>
+          <a:p>
+            <a:endParaRPr lang="en-US" altLang="ko-KR" sz="3000" spc="-150" dirty="0"/>
+          </a:p>
+          <a:p>
+            <a:r>
+              <a:rPr lang="en-US" altLang="ko-KR" sz="3000" spc="-150" dirty="0"/>
+              <a:t>23</a:t>
+            </a:r>
+            <a:r>
+              <a:rPr lang="ko-KR" altLang="en-US" sz="3000" spc="-150" dirty="0"/>
+              <a:t>명 이상의 사람이 있다면 생일이 같은 </a:t>
+            </a:r>
+            <a:endParaRPr lang="en-US" altLang="ko-KR" sz="3000" spc="-150" dirty="0"/>
+          </a:p>
+          <a:p>
+            <a:r>
+              <a:rPr lang="ko-KR" altLang="en-US" sz="3000" spc="-150" dirty="0"/>
+              <a:t>사람이 있을 확률은 </a:t>
+            </a:r>
+            <a:r>
+              <a:rPr lang="en-US" altLang="ko-KR" sz="3000" spc="-150" dirty="0"/>
+              <a:t>0.5 </a:t>
+            </a:r>
+            <a:r>
+              <a:rPr lang="ko-KR" altLang="en-US" sz="3000" spc="-150" dirty="0"/>
+              <a:t>이상이다</a:t>
+            </a:r>
+            <a:r>
+              <a:rPr lang="en-US" altLang="ko-KR" sz="3000" spc="-150" dirty="0"/>
+              <a:t>.</a:t>
+            </a:r>
+            <a:endParaRPr lang="ko-KR" altLang="en-US" sz="3000" spc="-150" dirty="0"/>
           </a:p>
         </p:txBody>
       </p:sp>
     </p:spTree>
     <p:extLst>
       <p:ext uri="{BB962C8B-B14F-4D97-AF65-F5344CB8AC3E}">
-        <p14:creationId xmlns:p14="http://schemas.microsoft.com/office/powerpoint/2010/main" val="1416895060"/>
+        <p14:creationId xmlns:p14="http://schemas.microsoft.com/office/powerpoint/2010/main" val="412751977"/>
       </p:ext>
     </p:extLst>
   </p:cSld>
@@ -36248,7 +36261,7 @@
         <p:spPr>
           <a:xfrm>
             <a:off x="3487729" y="1195322"/>
-            <a:ext cx="8483440" cy="595035"/>
+            <a:ext cx="8483440" cy="3171446"/>
           </a:xfrm>
           <a:prstGeom prst="rect">
             <a:avLst/>
@@ -36276,35 +36289,59 @@
             </a:r>
             <a:endParaRPr lang="en-US" altLang="ko-KR" sz="2500" b="1" dirty="0"/>
           </a:p>
-        </p:txBody>
-      </p:sp>
-      <p:sp>
-        <p:nvSpPr>
-          <p:cNvPr id="20" name="TextBox 19">
-            <a:extLst>
-              <a:ext uri="{FF2B5EF4-FFF2-40B4-BE49-F238E27FC236}">
-                <a16:creationId xmlns:a16="http://schemas.microsoft.com/office/drawing/2014/main" id="{935CFBAD-7B37-48F7-90E4-FA23F5098A90}"/>
-              </a:ext>
-            </a:extLst>
-          </p:cNvPr>
-          <p:cNvSpPr txBox="1"/>
-          <p:nvPr/>
-        </p:nvSpPr>
-        <p:spPr>
-          <a:xfrm>
-            <a:off x="3487729" y="2225458"/>
-            <a:ext cx="8483440" cy="4057521"/>
-          </a:xfrm>
-          <a:prstGeom prst="rect">
-            <a:avLst/>
-          </a:prstGeom>
-          <a:noFill/>
-        </p:spPr>
-        <p:txBody>
-          <a:bodyPr wrap="square" rtlCol="0">
-            <a:spAutoFit/>
-          </a:bodyPr>
-          <a:lstStyle/>
+          <a:p>
+            <a:pPr marL="514350" indent="-514350">
+              <a:lnSpc>
+                <a:spcPct val="150000"/>
+              </a:lnSpc>
+              <a:buAutoNum type="alphaUcPeriod" startAt="17"/>
+            </a:pPr>
+            <a:r>
+              <a:rPr lang="ko-KR" altLang="en-US" sz="2800" b="1" dirty="0">
+                <a:solidFill>
+                  <a:srgbClr val="C00000"/>
+                </a:solidFill>
+              </a:rPr>
+              <a:t>똑같은 공들을 </a:t>
+            </a:r>
+            <a:r>
+              <a:rPr lang="en-US" altLang="ko-KR" sz="2800" b="1" dirty="0">
+                <a:solidFill>
+                  <a:srgbClr val="C00000"/>
+                </a:solidFill>
+              </a:rPr>
+              <a:t>1,2,…b </a:t>
+            </a:r>
+            <a:r>
+              <a:rPr lang="ko-KR" altLang="en-US" sz="2800" b="1" dirty="0">
+                <a:solidFill>
+                  <a:srgbClr val="C00000"/>
+                </a:solidFill>
+              </a:rPr>
+              <a:t>번호가 붙은 </a:t>
+            </a:r>
+            <a:r>
+              <a:rPr lang="en-US" altLang="ko-KR" sz="2800" b="1" dirty="0">
+                <a:solidFill>
+                  <a:srgbClr val="C00000"/>
+                </a:solidFill>
+              </a:rPr>
+              <a:t>b</a:t>
+            </a:r>
+            <a:r>
+              <a:rPr lang="ko-KR" altLang="en-US" sz="2800" b="1" dirty="0">
+                <a:solidFill>
+                  <a:srgbClr val="C00000"/>
+                </a:solidFill>
+              </a:rPr>
+              <a:t>개의 주머니 중 하나에 랜덤으로 던졌을 때 </a:t>
+            </a:r>
+            <a:endParaRPr lang="en-US" altLang="ko-KR" sz="2800" b="1" dirty="0">
+              <a:solidFill>
+                <a:srgbClr val="C00000"/>
+              </a:solidFill>
+            </a:endParaRPr>
+          </a:p>
           <a:p>
             <a:pPr>
               <a:lnSpc>
@@ -36312,21 +36349,18 @@
               </a:lnSpc>
             </a:pPr>
             <a:r>
-              <a:rPr lang="en-US" altLang="ko-KR" sz="2500" b="1" dirty="0"/>
-              <a:t>A. </a:t>
-            </a:r>
-            <a:r>
-              <a:rPr lang="ko-KR" altLang="en-US" sz="2500" b="1" dirty="0" err="1"/>
-              <a:t>던진공이</a:t>
-            </a:r>
-            <a:r>
-              <a:rPr lang="ko-KR" altLang="en-US" sz="2500" b="1" dirty="0"/>
-              <a:t> 주머니에 들어갈 확률 </a:t>
-            </a:r>
-            <a:r>
-              <a:rPr lang="en-US" altLang="ko-KR" sz="2500" b="1" dirty="0"/>
-              <a:t>: 1/b</a:t>
-            </a:r>
+              <a:rPr lang="ko-KR" altLang="en-US" sz="2800" b="1" dirty="0">
+                <a:solidFill>
+                  <a:srgbClr val="C00000"/>
+                </a:solidFill>
+              </a:rPr>
+              <a:t>모든 주머니에 하나씩 들어가게 하려면 </a:t>
+            </a:r>
+            <a:endParaRPr lang="en-US" altLang="ko-KR" sz="2800" b="1" dirty="0">
+              <a:solidFill>
+                <a:srgbClr val="C00000"/>
+              </a:solidFill>
+            </a:endParaRPr>
           </a:p>
           <a:p>
             <a:pPr>
@@ -36335,110 +36369,33 @@
               </a:lnSpc>
             </a:pPr>
             <a:r>
-              <a:rPr lang="en-US" altLang="ko-KR" sz="2500" b="1" dirty="0"/>
-              <a:t>B. N</a:t>
-            </a:r>
-            <a:r>
-              <a:rPr lang="ko-KR" altLang="en-US" sz="2500" b="1" dirty="0"/>
-              <a:t>개의 공을 던졌을 때 공에 들어갈 </a:t>
-            </a:r>
-            <a:r>
-              <a:rPr lang="ko-KR" altLang="en-US" sz="2500" b="1" dirty="0" err="1"/>
-              <a:t>기댓값</a:t>
-            </a:r>
-            <a:r>
-              <a:rPr lang="ko-KR" altLang="en-US" sz="2500" b="1" dirty="0"/>
-              <a:t> </a:t>
-            </a:r>
-            <a:r>
-              <a:rPr lang="en-US" altLang="ko-KR" sz="2500" b="1" dirty="0"/>
-              <a:t>: N/b</a:t>
-            </a:r>
-          </a:p>
-          <a:p>
-            <a:pPr>
-              <a:lnSpc>
-                <a:spcPct val="150000"/>
-              </a:lnSpc>
-            </a:pPr>
-            <a:r>
-              <a:rPr lang="en-US" altLang="ko-KR" sz="2500" b="1" dirty="0"/>
-              <a:t>C. </a:t>
-            </a:r>
-            <a:r>
-              <a:rPr lang="ko-KR" altLang="en-US" sz="2500" b="1" dirty="0"/>
-              <a:t>특정한 주머니에 공을 던졌을 때 던져야 할 공의 개수의 </a:t>
-            </a:r>
-            <a:endParaRPr lang="en-US" altLang="ko-KR" sz="2500" b="1" dirty="0"/>
-          </a:p>
-          <a:p>
-            <a:pPr>
-              <a:lnSpc>
-                <a:spcPct val="150000"/>
-              </a:lnSpc>
-            </a:pPr>
-            <a:r>
-              <a:rPr lang="en-US" altLang="ko-KR" sz="2500" b="1" dirty="0"/>
-              <a:t>    </a:t>
-            </a:r>
-            <a:r>
-              <a:rPr lang="ko-KR" altLang="en-US" sz="2500" b="1" dirty="0" err="1"/>
-              <a:t>기댓값</a:t>
-            </a:r>
-            <a:r>
-              <a:rPr lang="ko-KR" altLang="en-US" sz="2500" b="1" dirty="0"/>
-              <a:t> </a:t>
-            </a:r>
-            <a:r>
-              <a:rPr lang="en-US" altLang="ko-KR" sz="2500" b="1" dirty="0"/>
-              <a:t>: b </a:t>
-            </a:r>
-          </a:p>
-          <a:p>
-            <a:pPr>
-              <a:lnSpc>
-                <a:spcPct val="150000"/>
-              </a:lnSpc>
-            </a:pPr>
-            <a:endParaRPr lang="en-US" altLang="ko-KR" sz="2500" b="1" dirty="0"/>
-          </a:p>
-          <a:p>
-            <a:pPr>
-              <a:lnSpc>
-                <a:spcPct val="150000"/>
-              </a:lnSpc>
-            </a:pPr>
-            <a:endParaRPr lang="en-US" altLang="ko-KR" sz="2500" b="1" dirty="0"/>
-          </a:p>
-          <a:p>
-            <a:pPr>
-              <a:lnSpc>
-                <a:spcPct val="150000"/>
-              </a:lnSpc>
-            </a:pPr>
-            <a:r>
-              <a:rPr lang="ko-KR" altLang="en-US" sz="2400" b="1" spc="-150" dirty="0">
-                <a:solidFill>
-                  <a:srgbClr val="00B050"/>
-                </a:solidFill>
-              </a:rPr>
-              <a:t>그렇다면 한 개 이상의 공이 들어가려면 몇 개의 공을 던질까 </a:t>
-            </a:r>
-            <a:r>
-              <a:rPr lang="en-US" altLang="ko-KR" sz="2400" b="1" spc="-150" dirty="0">
-                <a:solidFill>
-                  <a:srgbClr val="00B050"/>
+              <a:rPr lang="ko-KR" altLang="en-US" sz="2800" b="1" dirty="0">
+                <a:solidFill>
+                  <a:srgbClr val="C00000"/>
+                </a:solidFill>
+              </a:rPr>
+              <a:t>몇 개를 던져야 할까</a:t>
+            </a:r>
+            <a:r>
+              <a:rPr lang="en-US" altLang="ko-KR" sz="2800" b="1" dirty="0">
+                <a:solidFill>
+                  <a:srgbClr val="C00000"/>
                 </a:solidFill>
               </a:rPr>
               <a:t>?</a:t>
             </a:r>
+            <a:endParaRPr lang="en-US" altLang="ko-KR" sz="2800" b="1" spc="-150" dirty="0">
+              <a:solidFill>
+                <a:srgbClr val="C00000"/>
+              </a:solidFill>
+            </a:endParaRPr>
           </a:p>
         </p:txBody>
       </p:sp>
     </p:spTree>
     <p:extLst>
       <p:ext uri="{BB962C8B-B14F-4D97-AF65-F5344CB8AC3E}">
-        <p14:creationId xmlns:p14="http://schemas.microsoft.com/office/powerpoint/2010/main" val="1580819568"/>
+        <p14:creationId xmlns:p14="http://schemas.microsoft.com/office/powerpoint/2010/main" val="1416895060"/>
       </p:ext>
     </p:extLst>
   </p:cSld>
@@ -37585,7 +37542,7 @@
         <p:spPr>
           <a:xfrm>
             <a:off x="3487729" y="2225458"/>
-            <a:ext cx="8483440" cy="3480440"/>
+            <a:ext cx="8483440" cy="4057521"/>
           </a:xfrm>
           <a:prstGeom prst="rect">
             <a:avLst/>
@@ -37604,107 +37561,20 @@
               </a:lnSpc>
             </a:pPr>
             <a:r>
+              <a:rPr lang="en-US" altLang="ko-KR" sz="2500" b="1" dirty="0"/>
+              <a:t>A. </a:t>
+            </a:r>
+            <a:r>
+              <a:rPr lang="ko-KR" altLang="en-US" sz="2500" b="1" dirty="0" err="1"/>
+              <a:t>던진공이</a:t>
+            </a:r>
+            <a:r>
               <a:rPr lang="ko-KR" altLang="en-US" sz="2500" b="1" dirty="0"/>
-              <a:t>빈 주머니에 공이 들어간 것을 </a:t>
+              <a:t> 주머니에 들어갈 확률 </a:t>
             </a:r>
             <a:r>
               <a:rPr lang="en-US" altLang="ko-KR" sz="2500" b="1" dirty="0"/>
-              <a:t>‘</a:t>
-            </a:r>
-            <a:r>
-              <a:rPr lang="ko-KR" altLang="en-US" sz="2500" b="1" dirty="0"/>
-              <a:t>행운</a:t>
-            </a:r>
-            <a:r>
-              <a:rPr lang="en-US" altLang="ko-KR" sz="2500" b="1" dirty="0"/>
-              <a:t>’</a:t>
-            </a:r>
-            <a:r>
-              <a:rPr lang="ko-KR" altLang="en-US" sz="2500" b="1" dirty="0"/>
-              <a:t>이라고 하면</a:t>
-            </a:r>
-            <a:endParaRPr lang="en-US" altLang="ko-KR" sz="2500" b="1" dirty="0"/>
-          </a:p>
-          <a:p>
-            <a:pPr marL="457200" indent="-457200">
-              <a:lnSpc>
-                <a:spcPct val="150000"/>
-              </a:lnSpc>
-              <a:buAutoNum type="alphaUcPeriod"/>
-            </a:pPr>
-            <a:r>
-              <a:rPr lang="ko-KR" altLang="en-US" sz="2500" b="1" dirty="0"/>
-              <a:t>행운을 여러 단계로 나눈다</a:t>
-            </a:r>
-            <a:r>
-              <a:rPr lang="en-US" altLang="ko-KR" sz="2500" b="1" dirty="0"/>
-              <a:t>.</a:t>
-            </a:r>
-          </a:p>
-          <a:p>
-            <a:pPr marL="342900" indent="-342900">
-              <a:lnSpc>
-                <a:spcPct val="150000"/>
-              </a:lnSpc>
-              <a:buFontTx/>
-              <a:buChar char="-"/>
-            </a:pPr>
-            <a:r>
-              <a:rPr lang="en-US" altLang="ko-KR" sz="2500" b="1" dirty="0" err="1"/>
-              <a:t>i</a:t>
-            </a:r>
-            <a:r>
-              <a:rPr lang="ko-KR" altLang="en-US" sz="2500" b="1" dirty="0"/>
-              <a:t>번 째 단계는 </a:t>
-            </a:r>
-            <a:r>
-              <a:rPr lang="en-US" altLang="ko-KR" sz="2500" b="1" dirty="0"/>
-              <a:t>i-1</a:t>
-            </a:r>
-            <a:r>
-              <a:rPr lang="ko-KR" altLang="en-US" sz="2500" b="1" dirty="0"/>
-              <a:t>번 째 행운 이후 </a:t>
-            </a:r>
-            <a:r>
-              <a:rPr lang="en-US" altLang="ko-KR" sz="2500" b="1" dirty="0" err="1"/>
-              <a:t>i</a:t>
-            </a:r>
-            <a:r>
-              <a:rPr lang="ko-KR" altLang="en-US" sz="2500" b="1" dirty="0"/>
-              <a:t>번 째 행운이 될 때까지 공던지기로 구성됨</a:t>
-            </a:r>
-            <a:endParaRPr lang="en-US" altLang="ko-KR" sz="2500" b="1" dirty="0"/>
-          </a:p>
-          <a:p>
-            <a:pPr marL="457200" indent="-457200">
-              <a:lnSpc>
-                <a:spcPct val="150000"/>
-              </a:lnSpc>
-              <a:buAutoNum type="alphaUcPeriod" startAt="2"/>
-            </a:pPr>
-            <a:r>
-              <a:rPr lang="en-US" altLang="ko-KR" sz="2500" b="1" dirty="0" err="1"/>
-              <a:t>i</a:t>
-            </a:r>
-            <a:r>
-              <a:rPr lang="en-US" altLang="ko-KR" sz="2500" b="1" dirty="0"/>
-              <a:t> </a:t>
-            </a:r>
-            <a:r>
-              <a:rPr lang="ko-KR" altLang="en-US" sz="2500" b="1" dirty="0"/>
-              <a:t>번째 단계에서 행운이 발생할 확률 </a:t>
-            </a:r>
-            <a:r>
-              <a:rPr lang="en-US" altLang="ko-KR" sz="2500" b="1" dirty="0"/>
-              <a:t>: (b – </a:t>
-            </a:r>
-            <a:r>
-              <a:rPr lang="en-US" altLang="ko-KR" sz="2500" b="1" dirty="0" err="1"/>
-              <a:t>i</a:t>
-            </a:r>
-            <a:r>
-              <a:rPr lang="en-US" altLang="ko-KR" sz="2500" b="1" dirty="0"/>
-              <a:t> + 1) / b </a:t>
+              <a:t>: 1/b</a:t>
             </a:r>
           </a:p>
           <a:p>
@@ -37715,35 +37585,101 @@
             </a:pPr>
             <a:r>
               <a:rPr lang="en-US" altLang="ko-KR" sz="2500" b="1" dirty="0"/>
-              <a:t>(</a:t>
+              <a:t>B. N</a:t>
+            </a:r>
+            <a:r>
+              <a:rPr lang="ko-KR" altLang="en-US" sz="2500" b="1" dirty="0"/>
+              <a:t>개의 공을 던졌을 때 공에 들어갈 </a:t>
             </a:r>
             <a:r>
               <a:rPr lang="ko-KR" altLang="en-US" sz="2500" b="1" dirty="0" err="1"/>
-              <a:t>비어있는</a:t>
+              <a:t>기댓값</a:t>
             </a:r>
             <a:r>
               <a:rPr lang="ko-KR" altLang="en-US" sz="2500" b="1" dirty="0"/>
-              <a:t> 주머니가 </a:t>
+              <a:t> </a:t>
             </a:r>
             <a:r>
               <a:rPr lang="en-US" altLang="ko-KR" sz="2500" b="1" dirty="0"/>
-              <a:t>b – </a:t>
-            </a:r>
-            <a:r>
-              <a:rPr lang="en-US" altLang="ko-KR" sz="2500" b="1" dirty="0" err="1"/>
-              <a:t>i</a:t>
-            </a:r>
+              <a:t>: N/b</a:t>
+            </a:r>
+          </a:p>
+          <a:p>
+            <a:pPr>
+              <a:lnSpc>
+                <a:spcPct val="150000"/>
+              </a:lnSpc>
+            </a:pPr>
             <a:r>
               <a:rPr lang="en-US" altLang="ko-KR" sz="2500" b="1" dirty="0"/>
-              <a:t> + 1</a:t>
+              <a:t>C. </a:t>
             </a:r>
             <a:r>
               <a:rPr lang="ko-KR" altLang="en-US" sz="2500" b="1" dirty="0"/>
-              <a:t>개</a:t>
-            </a:r>
+              <a:t>특정한 주머니에 공을 던졌을 때 던져야 할 공의 개수의 </a:t>
+            </a:r>
+            <a:endParaRPr lang="en-US" altLang="ko-KR" sz="2500" b="1" dirty="0"/>
+          </a:p>
+          <a:p>
+            <a:pPr>
+              <a:lnSpc>
+                <a:spcPct val="150000"/>
+              </a:lnSpc>
+            </a:pPr>
             <a:r>
               <a:rPr lang="en-US" altLang="ko-KR" sz="2500" b="1" dirty="0"/>
-              <a:t>)</a:t>
+              <a:t>    </a:t>
+            </a:r>
+            <a:r>
+              <a:rPr lang="ko-KR" altLang="en-US" sz="2500" b="1" dirty="0" err="1"/>
+              <a:t>기댓값</a:t>
+            </a:r>
+            <a:r>
+              <a:rPr lang="ko-KR" altLang="en-US" sz="2500" b="1" dirty="0"/>
+              <a:t> </a:t>
+            </a:r>
+            <a:r>
+              <a:rPr lang="en-US" altLang="ko-KR" sz="2500" b="1" dirty="0"/>
+              <a:t>: b </a:t>
+            </a:r>
+          </a:p>
+          <a:p>
+            <a:pPr>
+              <a:lnSpc>
+                <a:spcPct val="150000"/>
+              </a:lnSpc>
+            </a:pPr>
+            <a:endParaRPr lang="en-US" altLang="ko-KR" sz="2500" b="1" dirty="0"/>
+          </a:p>
+          <a:p>
+            <a:pPr>
+              <a:lnSpc>
+                <a:spcPct val="150000"/>
+              </a:lnSpc>
+            </a:pPr>
+            <a:endParaRPr lang="en-US" altLang="ko-KR" sz="2500" b="1" dirty="0"/>
+          </a:p>
+          <a:p>
+            <a:pPr>
+              <a:lnSpc>
+                <a:spcPct val="150000"/>
+              </a:lnSpc>
+            </a:pPr>
+            <a:r>
+              <a:rPr lang="ko-KR" altLang="en-US" sz="2400" b="1" spc="-150" dirty="0">
+                <a:solidFill>
+                  <a:srgbClr val="00B050"/>
+                </a:solidFill>
+              </a:rPr>
+              <a:t>그렇다면 한 개 이상의 공이 들어가려면 몇 개의 공을 던질까 </a:t>
+            </a:r>
+            <a:r>
+              <a:rPr lang="en-US" altLang="ko-KR" sz="2400" b="1" spc="-150" dirty="0">
+                <a:solidFill>
+                  <a:srgbClr val="00B050"/>
+                </a:solidFill>
+              </a:rPr>
+              <a:t>?</a:t>
             </a:r>
           </a:p>
         </p:txBody>
@@ -37751,7 +37687,7 @@
     </p:spTree>
     <p:extLst>
       <p:ext uri="{BB962C8B-B14F-4D97-AF65-F5344CB8AC3E}">
-        <p14:creationId xmlns:p14="http://schemas.microsoft.com/office/powerpoint/2010/main" val="2983149735"/>
+        <p14:creationId xmlns:p14="http://schemas.microsoft.com/office/powerpoint/2010/main" val="1580819568"/>
       </p:ext>
     </p:extLst>
   </p:cSld>
@@ -38898,6 +38834,1319 @@
         <p:spPr>
           <a:xfrm>
             <a:off x="3487729" y="2225458"/>
+            <a:ext cx="8483440" cy="3480440"/>
+          </a:xfrm>
+          <a:prstGeom prst="rect">
+            <a:avLst/>
+          </a:prstGeom>
+          <a:noFill/>
+        </p:spPr>
+        <p:txBody>
+          <a:bodyPr wrap="square" rtlCol="0">
+            <a:spAutoFit/>
+          </a:bodyPr>
+          <a:lstStyle/>
+          <a:p>
+            <a:pPr>
+              <a:lnSpc>
+                <a:spcPct val="150000"/>
+              </a:lnSpc>
+            </a:pPr>
+            <a:r>
+              <a:rPr lang="ko-KR" altLang="en-US" sz="2500" b="1" dirty="0"/>
+              <a:t>빈 주머니에 공이 들어간 것을 </a:t>
+            </a:r>
+            <a:r>
+              <a:rPr lang="en-US" altLang="ko-KR" sz="2500" b="1" dirty="0"/>
+              <a:t>‘</a:t>
+            </a:r>
+            <a:r>
+              <a:rPr lang="ko-KR" altLang="en-US" sz="2500" b="1" dirty="0"/>
+              <a:t>행운</a:t>
+            </a:r>
+            <a:r>
+              <a:rPr lang="en-US" altLang="ko-KR" sz="2500" b="1" dirty="0"/>
+              <a:t>’</a:t>
+            </a:r>
+            <a:r>
+              <a:rPr lang="ko-KR" altLang="en-US" sz="2500" b="1" dirty="0"/>
+              <a:t>이라고 하면</a:t>
+            </a:r>
+            <a:endParaRPr lang="en-US" altLang="ko-KR" sz="2500" b="1" dirty="0"/>
+          </a:p>
+          <a:p>
+            <a:pPr marL="457200" indent="-457200">
+              <a:lnSpc>
+                <a:spcPct val="150000"/>
+              </a:lnSpc>
+              <a:buAutoNum type="alphaUcPeriod"/>
+            </a:pPr>
+            <a:r>
+              <a:rPr lang="ko-KR" altLang="en-US" sz="2500" b="1" dirty="0"/>
+              <a:t>행운을 여러 단계로 나눈다</a:t>
+            </a:r>
+            <a:r>
+              <a:rPr lang="en-US" altLang="ko-KR" sz="2500" b="1" dirty="0"/>
+              <a:t>.</a:t>
+            </a:r>
+          </a:p>
+          <a:p>
+            <a:pPr marL="342900" indent="-342900">
+              <a:lnSpc>
+                <a:spcPct val="150000"/>
+              </a:lnSpc>
+              <a:buFontTx/>
+              <a:buChar char="-"/>
+            </a:pPr>
+            <a:r>
+              <a:rPr lang="en-US" altLang="ko-KR" sz="2500" b="1" dirty="0" err="1"/>
+              <a:t>i</a:t>
+            </a:r>
+            <a:r>
+              <a:rPr lang="ko-KR" altLang="en-US" sz="2500" b="1" dirty="0"/>
+              <a:t>번 째 단계는 </a:t>
+            </a:r>
+            <a:r>
+              <a:rPr lang="en-US" altLang="ko-KR" sz="2500" b="1" dirty="0"/>
+              <a:t>i-1</a:t>
+            </a:r>
+            <a:r>
+              <a:rPr lang="ko-KR" altLang="en-US" sz="2500" b="1" dirty="0"/>
+              <a:t>번 째 행운 이후 </a:t>
+            </a:r>
+            <a:r>
+              <a:rPr lang="en-US" altLang="ko-KR" sz="2500" b="1" dirty="0" err="1"/>
+              <a:t>i</a:t>
+            </a:r>
+            <a:r>
+              <a:rPr lang="ko-KR" altLang="en-US" sz="2500" b="1" dirty="0"/>
+              <a:t>번 째 행운이 될 때까지 공던지기로 구성됨</a:t>
+            </a:r>
+            <a:endParaRPr lang="en-US" altLang="ko-KR" sz="2500" b="1" dirty="0"/>
+          </a:p>
+          <a:p>
+            <a:pPr marL="457200" indent="-457200">
+              <a:lnSpc>
+                <a:spcPct val="150000"/>
+              </a:lnSpc>
+              <a:buAutoNum type="alphaUcPeriod" startAt="2"/>
+            </a:pPr>
+            <a:r>
+              <a:rPr lang="en-US" altLang="ko-KR" sz="2500" b="1" dirty="0" err="1"/>
+              <a:t>i</a:t>
+            </a:r>
+            <a:r>
+              <a:rPr lang="en-US" altLang="ko-KR" sz="2500" b="1" dirty="0"/>
+              <a:t> </a:t>
+            </a:r>
+            <a:r>
+              <a:rPr lang="ko-KR" altLang="en-US" sz="2500" b="1" dirty="0"/>
+              <a:t>번째 단계에서 행운이 발생할 확률 </a:t>
+            </a:r>
+            <a:r>
+              <a:rPr lang="en-US" altLang="ko-KR" sz="2500" b="1" dirty="0"/>
+              <a:t>: (b – </a:t>
+            </a:r>
+            <a:r>
+              <a:rPr lang="en-US" altLang="ko-KR" sz="2500" b="1" dirty="0" err="1"/>
+              <a:t>i</a:t>
+            </a:r>
+            <a:r>
+              <a:rPr lang="en-US" altLang="ko-KR" sz="2500" b="1" dirty="0"/>
+              <a:t> + 1) / b </a:t>
+            </a:r>
+          </a:p>
+          <a:p>
+            <a:pPr>
+              <a:lnSpc>
+                <a:spcPct val="150000"/>
+              </a:lnSpc>
+            </a:pPr>
+            <a:r>
+              <a:rPr lang="en-US" altLang="ko-KR" sz="2500" b="1" dirty="0"/>
+              <a:t>(</a:t>
+            </a:r>
+            <a:r>
+              <a:rPr lang="ko-KR" altLang="en-US" sz="2500" b="1" dirty="0" err="1"/>
+              <a:t>비어있는</a:t>
+            </a:r>
+            <a:r>
+              <a:rPr lang="ko-KR" altLang="en-US" sz="2500" b="1" dirty="0"/>
+              <a:t> 주머니가 </a:t>
+            </a:r>
+            <a:r>
+              <a:rPr lang="en-US" altLang="ko-KR" sz="2500" b="1" dirty="0"/>
+              <a:t>b – </a:t>
+            </a:r>
+            <a:r>
+              <a:rPr lang="en-US" altLang="ko-KR" sz="2500" b="1" dirty="0" err="1"/>
+              <a:t>i</a:t>
+            </a:r>
+            <a:r>
+              <a:rPr lang="en-US" altLang="ko-KR" sz="2500" b="1" dirty="0"/>
+              <a:t> + 1</a:t>
+            </a:r>
+            <a:r>
+              <a:rPr lang="ko-KR" altLang="en-US" sz="2500" b="1" dirty="0"/>
+              <a:t>개</a:t>
+            </a:r>
+            <a:r>
+              <a:rPr lang="en-US" altLang="ko-KR" sz="2500" b="1" dirty="0"/>
+              <a:t>)</a:t>
+            </a:r>
+          </a:p>
+        </p:txBody>
+      </p:sp>
+    </p:spTree>
+    <p:extLst>
+      <p:ext uri="{BB962C8B-B14F-4D97-AF65-F5344CB8AC3E}">
+        <p14:creationId xmlns:p14="http://schemas.microsoft.com/office/powerpoint/2010/main" val="2983149735"/>
+      </p:ext>
+    </p:extLst>
+  </p:cSld>
+  <p:clrMapOvr>
+    <a:masterClrMapping/>
+  </p:clrMapOvr>
+</p:sld>
+</file>
+
+<file path=ppt/slides/slide34.xml><?xml version="1.0" encoding="utf-8"?>
+<p:sld xmlns:a="http://schemas.openxmlformats.org/drawingml/2006/main" xmlns:r="http://schemas.openxmlformats.org/officeDocument/2006/relationships" xmlns:p="http://schemas.openxmlformats.org/presentationml/2006/main">
+  <p:cSld>
+    <p:spTree>
+      <p:nvGrpSpPr>
+        <p:cNvPr id="1" name=""/>
+        <p:cNvGrpSpPr/>
+        <p:nvPr/>
+      </p:nvGrpSpPr>
+      <p:grpSpPr>
+        <a:xfrm>
+          <a:off x="0" y="0"/>
+          <a:ext cx="0" cy="0"/>
+          <a:chOff x="0" y="0"/>
+          <a:chExt cx="0" cy="0"/>
+        </a:xfrm>
+      </p:grpSpPr>
+      <p:cxnSp>
+        <p:nvCxnSpPr>
+          <p:cNvPr id="5" name="직선 연결선 4"/>
+          <p:cNvCxnSpPr>
+            <a:cxnSpLocks/>
+          </p:cNvCxnSpPr>
+          <p:nvPr/>
+        </p:nvCxnSpPr>
+        <p:spPr>
+          <a:xfrm>
+            <a:off x="2857355" y="3155151"/>
+            <a:ext cx="0" cy="3475002"/>
+          </a:xfrm>
+          <a:prstGeom prst="line">
+            <a:avLst/>
+          </a:prstGeom>
+          <a:ln>
+            <a:solidFill>
+              <a:schemeClr val="bg2">
+                <a:lumMod val="75000"/>
+              </a:schemeClr>
+            </a:solidFill>
+          </a:ln>
+        </p:spPr>
+        <p:style>
+          <a:lnRef idx="1">
+            <a:schemeClr val="accent1"/>
+          </a:lnRef>
+          <a:fillRef idx="0">
+            <a:schemeClr val="accent1"/>
+          </a:fillRef>
+          <a:effectRef idx="0">
+            <a:schemeClr val="accent1"/>
+          </a:effectRef>
+          <a:fontRef idx="minor">
+            <a:schemeClr val="tx1"/>
+          </a:fontRef>
+        </p:style>
+      </p:cxnSp>
+      <p:grpSp>
+        <p:nvGrpSpPr>
+          <p:cNvPr id="4" name="그룹 3"/>
+          <p:cNvGrpSpPr/>
+          <p:nvPr/>
+        </p:nvGrpSpPr>
+        <p:grpSpPr>
+          <a:xfrm>
+            <a:off x="8159" y="0"/>
+            <a:ext cx="3997833" cy="2841179"/>
+            <a:chOff x="6061526" y="-6350"/>
+            <a:chExt cx="3663949" cy="2292349"/>
+          </a:xfrm>
+        </p:grpSpPr>
+        <p:sp>
+          <p:nvSpPr>
+            <p:cNvPr id="26" name="자유형 25"/>
+            <p:cNvSpPr/>
+            <p:nvPr/>
+          </p:nvSpPr>
+          <p:spPr>
+            <a:xfrm flipV="1">
+              <a:off x="9250495" y="-6350"/>
+              <a:ext cx="474980" cy="464409"/>
+            </a:xfrm>
+            <a:custGeom>
+              <a:avLst/>
+              <a:gdLst>
+                <a:gd name="connsiteX0" fmla="*/ 415242 w 474980"/>
+                <a:gd name="connsiteY0" fmla="*/ 464409 h 464409"/>
+                <a:gd name="connsiteX1" fmla="*/ 466685 w 474980"/>
+                <a:gd name="connsiteY1" fmla="*/ 464409 h 464409"/>
+                <a:gd name="connsiteX2" fmla="*/ 463920 w 474980"/>
+                <a:gd name="connsiteY2" fmla="*/ 458059 h 464409"/>
+                <a:gd name="connsiteX3" fmla="*/ 474980 w 474980"/>
+                <a:gd name="connsiteY3" fmla="*/ 458059 h 464409"/>
+                <a:gd name="connsiteX4" fmla="*/ 462181 w 474980"/>
+                <a:gd name="connsiteY4" fmla="*/ 454066 h 464409"/>
+                <a:gd name="connsiteX5" fmla="*/ 264460 w 474980"/>
+                <a:gd name="connsiteY5" fmla="*/ 0 h 464409"/>
+                <a:gd name="connsiteX6" fmla="*/ 0 w 474980"/>
+                <a:gd name="connsiteY6" fmla="*/ 458059 h 464409"/>
+                <a:gd name="connsiteX7" fmla="*/ 395329 w 474980"/>
+                <a:gd name="connsiteY7" fmla="*/ 458059 h 464409"/>
+              </a:gdLst>
+              <a:ahLst/>
+              <a:cxnLst>
+                <a:cxn ang="0">
+                  <a:pos x="connsiteX0" y="connsiteY0"/>
+                </a:cxn>
+                <a:cxn ang="0">
+                  <a:pos x="connsiteX1" y="connsiteY1"/>
+                </a:cxn>
+                <a:cxn ang="0">
+                  <a:pos x="connsiteX2" y="connsiteY2"/>
+                </a:cxn>
+                <a:cxn ang="0">
+                  <a:pos x="connsiteX3" y="connsiteY3"/>
+                </a:cxn>
+                <a:cxn ang="0">
+                  <a:pos x="connsiteX4" y="connsiteY4"/>
+                </a:cxn>
+                <a:cxn ang="0">
+                  <a:pos x="connsiteX5" y="connsiteY5"/>
+                </a:cxn>
+                <a:cxn ang="0">
+                  <a:pos x="connsiteX6" y="connsiteY6"/>
+                </a:cxn>
+                <a:cxn ang="0">
+                  <a:pos x="connsiteX7" y="connsiteY7"/>
+                </a:cxn>
+              </a:cxnLst>
+              <a:rect l="l" t="t" r="r" b="b"/>
+              <a:pathLst>
+                <a:path w="474980" h="464409">
+                  <a:moveTo>
+                    <a:pt x="415242" y="464409"/>
+                  </a:moveTo>
+                  <a:lnTo>
+                    <a:pt x="466685" y="464409"/>
+                  </a:lnTo>
+                  <a:lnTo>
+                    <a:pt x="463920" y="458059"/>
+                  </a:lnTo>
+                  <a:lnTo>
+                    <a:pt x="474980" y="458059"/>
+                  </a:lnTo>
+                  <a:lnTo>
+                    <a:pt x="462181" y="454066"/>
+                  </a:lnTo>
+                  <a:lnTo>
+                    <a:pt x="264460" y="0"/>
+                  </a:lnTo>
+                  <a:lnTo>
+                    <a:pt x="0" y="458059"/>
+                  </a:lnTo>
+                  <a:lnTo>
+                    <a:pt x="395329" y="458059"/>
+                  </a:lnTo>
+                  <a:close/>
+                </a:path>
+              </a:pathLst>
+            </a:custGeom>
+            <a:solidFill>
+              <a:srgbClr val="FFC000"/>
+            </a:solidFill>
+            <a:ln>
+              <a:noFill/>
+            </a:ln>
+          </p:spPr>
+          <p:style>
+            <a:lnRef idx="2">
+              <a:schemeClr val="accent1">
+                <a:shade val="50000"/>
+              </a:schemeClr>
+            </a:lnRef>
+            <a:fillRef idx="1">
+              <a:schemeClr val="accent1"/>
+            </a:fillRef>
+            <a:effectRef idx="0">
+              <a:schemeClr val="accent1"/>
+            </a:effectRef>
+            <a:fontRef idx="minor">
+              <a:schemeClr val="lt1"/>
+            </a:fontRef>
+          </p:style>
+          <p:txBody>
+            <a:bodyPr wrap="square" rtlCol="0" anchor="ctr">
+              <a:noAutofit/>
+            </a:bodyPr>
+            <a:lstStyle/>
+            <a:p>
+              <a:pPr algn="ctr"/>
+              <a:endParaRPr lang="ko-KR" altLang="en-US"/>
+            </a:p>
+          </p:txBody>
+        </p:sp>
+        <p:sp>
+          <p:nvSpPr>
+            <p:cNvPr id="14" name="자유형 13"/>
+            <p:cNvSpPr/>
+            <p:nvPr/>
+          </p:nvSpPr>
+          <p:spPr>
+            <a:xfrm flipV="1">
+              <a:off x="6061526" y="0"/>
+              <a:ext cx="3430733" cy="1916145"/>
+            </a:xfrm>
+            <a:custGeom>
+              <a:avLst/>
+              <a:gdLst>
+                <a:gd name="connsiteX0" fmla="*/ 0 w 3430733"/>
+                <a:gd name="connsiteY0" fmla="*/ 1916145 h 1916145"/>
+                <a:gd name="connsiteX1" fmla="*/ 3136179 w 3430733"/>
+                <a:gd name="connsiteY1" fmla="*/ 1916145 h 1916145"/>
+                <a:gd name="connsiteX2" fmla="*/ 3430733 w 3430733"/>
+                <a:gd name="connsiteY2" fmla="*/ 1405963 h 1916145"/>
+                <a:gd name="connsiteX3" fmla="*/ 2818514 w 3430733"/>
+                <a:gd name="connsiteY3" fmla="*/ 0 h 1916145"/>
+                <a:gd name="connsiteX4" fmla="*/ 1797554 w 3430733"/>
+                <a:gd name="connsiteY4" fmla="*/ 0 h 1916145"/>
+                <a:gd name="connsiteX5" fmla="*/ 0 w 3430733"/>
+                <a:gd name="connsiteY5" fmla="*/ 773145 h 1916145"/>
+                <a:gd name="connsiteX6" fmla="*/ 0 w 3430733"/>
+                <a:gd name="connsiteY6" fmla="*/ 1916145 h 1916145"/>
+              </a:gdLst>
+              <a:ahLst/>
+              <a:cxnLst>
+                <a:cxn ang="0">
+                  <a:pos x="connsiteX0" y="connsiteY0"/>
+                </a:cxn>
+                <a:cxn ang="0">
+                  <a:pos x="connsiteX1" y="connsiteY1"/>
+                </a:cxn>
+                <a:cxn ang="0">
+                  <a:pos x="connsiteX2" y="connsiteY2"/>
+                </a:cxn>
+                <a:cxn ang="0">
+                  <a:pos x="connsiteX3" y="connsiteY3"/>
+                </a:cxn>
+                <a:cxn ang="0">
+                  <a:pos x="connsiteX4" y="connsiteY4"/>
+                </a:cxn>
+                <a:cxn ang="0">
+                  <a:pos x="connsiteX5" y="connsiteY5"/>
+                </a:cxn>
+                <a:cxn ang="0">
+                  <a:pos x="connsiteX6" y="connsiteY6"/>
+                </a:cxn>
+              </a:cxnLst>
+              <a:rect l="l" t="t" r="r" b="b"/>
+              <a:pathLst>
+                <a:path w="3430733" h="1916145">
+                  <a:moveTo>
+                    <a:pt x="0" y="1916145"/>
+                  </a:moveTo>
+                  <a:lnTo>
+                    <a:pt x="3136179" y="1916145"/>
+                  </a:lnTo>
+                  <a:lnTo>
+                    <a:pt x="3430733" y="1405963"/>
+                  </a:lnTo>
+                  <a:lnTo>
+                    <a:pt x="2818514" y="0"/>
+                  </a:lnTo>
+                  <a:lnTo>
+                    <a:pt x="1797554" y="0"/>
+                  </a:lnTo>
+                  <a:lnTo>
+                    <a:pt x="0" y="773145"/>
+                  </a:lnTo>
+                  <a:lnTo>
+                    <a:pt x="0" y="1916145"/>
+                  </a:lnTo>
+                  <a:close/>
+                </a:path>
+              </a:pathLst>
+            </a:custGeom>
+            <a:solidFill>
+              <a:srgbClr val="41C9D3"/>
+            </a:solidFill>
+            <a:ln>
+              <a:noFill/>
+            </a:ln>
+          </p:spPr>
+          <p:style>
+            <a:lnRef idx="2">
+              <a:schemeClr val="accent1">
+                <a:shade val="50000"/>
+              </a:schemeClr>
+            </a:lnRef>
+            <a:fillRef idx="1">
+              <a:schemeClr val="accent1"/>
+            </a:fillRef>
+            <a:effectRef idx="0">
+              <a:schemeClr val="accent1"/>
+            </a:effectRef>
+            <a:fontRef idx="minor">
+              <a:schemeClr val="lt1"/>
+            </a:fontRef>
+          </p:style>
+          <p:txBody>
+            <a:bodyPr rtlCol="0" anchor="ctr"/>
+            <a:lstStyle/>
+            <a:p>
+              <a:pPr algn="ctr"/>
+              <a:endParaRPr lang="ko-KR" altLang="en-US"/>
+            </a:p>
+          </p:txBody>
+        </p:sp>
+        <p:sp>
+          <p:nvSpPr>
+            <p:cNvPr id="11" name="자유형 10"/>
+            <p:cNvSpPr/>
+            <p:nvPr/>
+          </p:nvSpPr>
+          <p:spPr>
+            <a:xfrm flipV="1">
+              <a:off x="7965376" y="1961863"/>
+              <a:ext cx="894756" cy="324136"/>
+            </a:xfrm>
+            <a:custGeom>
+              <a:avLst/>
+              <a:gdLst>
+                <a:gd name="connsiteX0" fmla="*/ 0 w 894756"/>
+                <a:gd name="connsiteY0" fmla="*/ 324136 h 324136"/>
+                <a:gd name="connsiteX1" fmla="*/ 894756 w 894756"/>
+                <a:gd name="connsiteY1" fmla="*/ 324136 h 324136"/>
+                <a:gd name="connsiteX2" fmla="*/ 753613 w 894756"/>
+                <a:gd name="connsiteY2" fmla="*/ 0 h 324136"/>
+                <a:gd name="connsiteX3" fmla="*/ 0 w 894756"/>
+                <a:gd name="connsiteY3" fmla="*/ 324136 h 324136"/>
+              </a:gdLst>
+              <a:ahLst/>
+              <a:cxnLst>
+                <a:cxn ang="0">
+                  <a:pos x="connsiteX0" y="connsiteY0"/>
+                </a:cxn>
+                <a:cxn ang="0">
+                  <a:pos x="connsiteX1" y="connsiteY1"/>
+                </a:cxn>
+                <a:cxn ang="0">
+                  <a:pos x="connsiteX2" y="connsiteY2"/>
+                </a:cxn>
+                <a:cxn ang="0">
+                  <a:pos x="connsiteX3" y="connsiteY3"/>
+                </a:cxn>
+              </a:cxnLst>
+              <a:rect l="l" t="t" r="r" b="b"/>
+              <a:pathLst>
+                <a:path w="894756" h="324136">
+                  <a:moveTo>
+                    <a:pt x="0" y="324136"/>
+                  </a:moveTo>
+                  <a:lnTo>
+                    <a:pt x="894756" y="324136"/>
+                  </a:lnTo>
+                  <a:lnTo>
+                    <a:pt x="753613" y="0"/>
+                  </a:lnTo>
+                  <a:lnTo>
+                    <a:pt x="0" y="324136"/>
+                  </a:lnTo>
+                  <a:close/>
+                </a:path>
+              </a:pathLst>
+            </a:custGeom>
+            <a:solidFill>
+              <a:srgbClr val="4C5064"/>
+            </a:solidFill>
+            <a:ln>
+              <a:noFill/>
+            </a:ln>
+          </p:spPr>
+          <p:style>
+            <a:lnRef idx="2">
+              <a:schemeClr val="accent1">
+                <a:shade val="50000"/>
+              </a:schemeClr>
+            </a:lnRef>
+            <a:fillRef idx="1">
+              <a:schemeClr val="accent1"/>
+            </a:fillRef>
+            <a:effectRef idx="0">
+              <a:schemeClr val="accent1"/>
+            </a:effectRef>
+            <a:fontRef idx="minor">
+              <a:schemeClr val="lt1"/>
+            </a:fontRef>
+          </p:style>
+          <p:txBody>
+            <a:bodyPr rtlCol="0" anchor="ctr"/>
+            <a:lstStyle/>
+            <a:p>
+              <a:pPr algn="ctr"/>
+              <a:endParaRPr lang="ko-KR" altLang="en-US"/>
+            </a:p>
+          </p:txBody>
+        </p:sp>
+      </p:grpSp>
+      <p:sp>
+        <p:nvSpPr>
+          <p:cNvPr id="22" name="직사각형 21"/>
+          <p:cNvSpPr/>
+          <p:nvPr/>
+        </p:nvSpPr>
+        <p:spPr>
+          <a:xfrm>
+            <a:off x="-10891" y="303681"/>
+            <a:ext cx="3719582" cy="1231106"/>
+          </a:xfrm>
+          <a:prstGeom prst="rect">
+            <a:avLst/>
+          </a:prstGeom>
+        </p:spPr>
+        <p:txBody>
+          <a:bodyPr wrap="square">
+            <a:spAutoFit/>
+          </a:bodyPr>
+          <a:lstStyle/>
+          <a:p>
+            <a:pPr algn="ctr"/>
+            <a:r>
+              <a:rPr lang="en-US" altLang="ko-KR" dirty="0">
+                <a:solidFill>
+                  <a:schemeClr val="bg1"/>
+                </a:solidFill>
+                <a:latin typeface="KoPubWorld돋움체 Bold" panose="00000800000000000000" pitchFamily="2" charset="-127"/>
+                <a:ea typeface="KoPubWorld돋움체 Bold" panose="00000800000000000000" pitchFamily="2" charset="-127"/>
+                <a:cs typeface="KoPubWorld돋움체 Bold" panose="00000800000000000000" pitchFamily="2" charset="-127"/>
+              </a:rPr>
+              <a:t>Introduction to Algorithms</a:t>
+            </a:r>
+          </a:p>
+          <a:p>
+            <a:pPr algn="ctr"/>
+            <a:r>
+              <a:rPr lang="en-US" altLang="ko-KR" sz="2800" b="1" dirty="0">
+                <a:solidFill>
+                  <a:schemeClr val="bg1"/>
+                </a:solidFill>
+                <a:latin typeface="KoPubWorld돋움체 Bold" panose="00000800000000000000" pitchFamily="2" charset="-127"/>
+                <a:ea typeface="KoPubWorld돋움체 Bold" panose="00000800000000000000" pitchFamily="2" charset="-127"/>
+                <a:cs typeface="KoPubWorld돋움체 Bold" panose="00000800000000000000" pitchFamily="2" charset="-127"/>
+              </a:rPr>
+              <a:t>5. </a:t>
+            </a:r>
+            <a:r>
+              <a:rPr lang="ko-KR" altLang="en-US" sz="2800" b="1" dirty="0">
+                <a:solidFill>
+                  <a:schemeClr val="bg1"/>
+                </a:solidFill>
+                <a:latin typeface="KoPubWorld돋움체 Bold" panose="00000800000000000000" pitchFamily="2" charset="-127"/>
+                <a:ea typeface="KoPubWorld돋움체 Bold" panose="00000800000000000000" pitchFamily="2" charset="-127"/>
+                <a:cs typeface="KoPubWorld돋움체 Bold" panose="00000800000000000000" pitchFamily="2" charset="-127"/>
+              </a:rPr>
+              <a:t>확률적 분석</a:t>
+            </a:r>
+            <a:r>
+              <a:rPr lang="en-US" altLang="ko-KR" sz="2800" b="1" dirty="0">
+                <a:solidFill>
+                  <a:schemeClr val="bg1"/>
+                </a:solidFill>
+                <a:latin typeface="KoPubWorld돋움체 Bold" panose="00000800000000000000" pitchFamily="2" charset="-127"/>
+                <a:ea typeface="KoPubWorld돋움체 Bold" panose="00000800000000000000" pitchFamily="2" charset="-127"/>
+                <a:cs typeface="KoPubWorld돋움체 Bold" panose="00000800000000000000" pitchFamily="2" charset="-127"/>
+              </a:rPr>
+              <a:t>, </a:t>
+            </a:r>
+          </a:p>
+          <a:p>
+            <a:pPr algn="ctr"/>
+            <a:r>
+              <a:rPr lang="ko-KR" altLang="en-US" sz="2800" b="1" dirty="0">
+                <a:solidFill>
+                  <a:schemeClr val="bg1"/>
+                </a:solidFill>
+                <a:latin typeface="KoPubWorld돋움체 Bold" panose="00000800000000000000" pitchFamily="2" charset="-127"/>
+                <a:ea typeface="KoPubWorld돋움체 Bold" panose="00000800000000000000" pitchFamily="2" charset="-127"/>
+                <a:cs typeface="KoPubWorld돋움체 Bold" panose="00000800000000000000" pitchFamily="2" charset="-127"/>
+              </a:rPr>
+              <a:t>랜덤화 된 알고리즘</a:t>
+            </a:r>
+            <a:endParaRPr lang="en-US" altLang="ko-KR" sz="2800" b="1" dirty="0">
+              <a:solidFill>
+                <a:schemeClr val="bg1"/>
+              </a:solidFill>
+              <a:latin typeface="KoPubWorld돋움체 Bold" panose="00000800000000000000" pitchFamily="2" charset="-127"/>
+              <a:ea typeface="KoPubWorld돋움체 Bold" panose="00000800000000000000" pitchFamily="2" charset="-127"/>
+              <a:cs typeface="KoPubWorld돋움체 Bold" panose="00000800000000000000" pitchFamily="2" charset="-127"/>
+            </a:endParaRPr>
+          </a:p>
+        </p:txBody>
+      </p:sp>
+      <p:sp>
+        <p:nvSpPr>
+          <p:cNvPr id="41" name="타원 40"/>
+          <p:cNvSpPr/>
+          <p:nvPr/>
+        </p:nvSpPr>
+        <p:spPr>
+          <a:xfrm>
+            <a:off x="2693119" y="2926753"/>
+            <a:ext cx="328471" cy="328468"/>
+          </a:xfrm>
+          <a:prstGeom prst="ellipse">
+            <a:avLst/>
+          </a:prstGeom>
+          <a:solidFill>
+            <a:schemeClr val="bg1">
+              <a:lumMod val="85000"/>
+            </a:schemeClr>
+          </a:solidFill>
+          <a:ln w="15875">
+            <a:noFill/>
+          </a:ln>
+        </p:spPr>
+        <p:style>
+          <a:lnRef idx="2">
+            <a:schemeClr val="accent1">
+              <a:shade val="50000"/>
+            </a:schemeClr>
+          </a:lnRef>
+          <a:fillRef idx="1">
+            <a:schemeClr val="accent1"/>
+          </a:fillRef>
+          <a:effectRef idx="0">
+            <a:schemeClr val="accent1"/>
+          </a:effectRef>
+          <a:fontRef idx="minor">
+            <a:schemeClr val="lt1"/>
+          </a:fontRef>
+        </p:style>
+        <p:txBody>
+          <a:bodyPr lIns="0" tIns="0" rIns="0" bIns="0" rtlCol="0" anchor="ctr"/>
+          <a:lstStyle/>
+          <a:p>
+            <a:pPr algn="ctr"/>
+            <a:r>
+              <a:rPr lang="en-US" altLang="ko-KR" sz="900" b="1" dirty="0">
+                <a:solidFill>
+                  <a:prstClr val="white"/>
+                </a:solidFill>
+              </a:rPr>
+              <a:t>01</a:t>
+            </a:r>
+            <a:endParaRPr lang="ko-KR" altLang="en-US" sz="900" b="1" dirty="0">
+              <a:solidFill>
+                <a:prstClr val="white"/>
+              </a:solidFill>
+            </a:endParaRPr>
+          </a:p>
+        </p:txBody>
+      </p:sp>
+      <p:sp>
+        <p:nvSpPr>
+          <p:cNvPr id="53" name="타원 52"/>
+          <p:cNvSpPr/>
+          <p:nvPr/>
+        </p:nvSpPr>
+        <p:spPr>
+          <a:xfrm>
+            <a:off x="2693119" y="3767897"/>
+            <a:ext cx="328471" cy="328468"/>
+          </a:xfrm>
+          <a:prstGeom prst="ellipse">
+            <a:avLst/>
+          </a:prstGeom>
+          <a:solidFill>
+            <a:schemeClr val="bg1">
+              <a:lumMod val="85000"/>
+            </a:schemeClr>
+          </a:solidFill>
+          <a:ln w="15875">
+            <a:noFill/>
+          </a:ln>
+        </p:spPr>
+        <p:style>
+          <a:lnRef idx="2">
+            <a:schemeClr val="accent1">
+              <a:shade val="50000"/>
+            </a:schemeClr>
+          </a:lnRef>
+          <a:fillRef idx="1">
+            <a:schemeClr val="accent1"/>
+          </a:fillRef>
+          <a:effectRef idx="0">
+            <a:schemeClr val="accent1"/>
+          </a:effectRef>
+          <a:fontRef idx="minor">
+            <a:schemeClr val="lt1"/>
+          </a:fontRef>
+        </p:style>
+        <p:txBody>
+          <a:bodyPr lIns="0" tIns="0" rIns="0" bIns="0" rtlCol="0" anchor="ctr"/>
+          <a:lstStyle/>
+          <a:p>
+            <a:pPr algn="ctr"/>
+            <a:r>
+              <a:rPr lang="en-US" altLang="ko-KR" sz="900" b="1" dirty="0">
+                <a:solidFill>
+                  <a:prstClr val="white"/>
+                </a:solidFill>
+              </a:rPr>
+              <a:t>02</a:t>
+            </a:r>
+            <a:endParaRPr lang="ko-KR" altLang="en-US" sz="900" b="1" dirty="0">
+              <a:solidFill>
+                <a:prstClr val="white"/>
+              </a:solidFill>
+            </a:endParaRPr>
+          </a:p>
+        </p:txBody>
+      </p:sp>
+      <p:sp>
+        <p:nvSpPr>
+          <p:cNvPr id="54" name="타원 53"/>
+          <p:cNvSpPr/>
+          <p:nvPr/>
+        </p:nvSpPr>
+        <p:spPr>
+          <a:xfrm>
+            <a:off x="2733322" y="5066760"/>
+            <a:ext cx="328471" cy="328468"/>
+          </a:xfrm>
+          <a:prstGeom prst="ellipse">
+            <a:avLst/>
+          </a:prstGeom>
+          <a:solidFill>
+            <a:schemeClr val="bg1">
+              <a:lumMod val="85000"/>
+            </a:schemeClr>
+          </a:solidFill>
+          <a:ln w="15875">
+            <a:noFill/>
+          </a:ln>
+        </p:spPr>
+        <p:style>
+          <a:lnRef idx="2">
+            <a:schemeClr val="accent1">
+              <a:shade val="50000"/>
+            </a:schemeClr>
+          </a:lnRef>
+          <a:fillRef idx="1">
+            <a:schemeClr val="accent1"/>
+          </a:fillRef>
+          <a:effectRef idx="0">
+            <a:schemeClr val="accent1"/>
+          </a:effectRef>
+          <a:fontRef idx="minor">
+            <a:schemeClr val="lt1"/>
+          </a:fontRef>
+        </p:style>
+        <p:txBody>
+          <a:bodyPr lIns="0" tIns="0" rIns="0" bIns="0" rtlCol="0" anchor="ctr"/>
+          <a:lstStyle/>
+          <a:p>
+            <a:pPr algn="ctr"/>
+            <a:r>
+              <a:rPr lang="en-US" altLang="ko-KR" sz="900" b="1" dirty="0">
+                <a:solidFill>
+                  <a:prstClr val="white"/>
+                </a:solidFill>
+              </a:rPr>
+              <a:t>03</a:t>
+            </a:r>
+            <a:endParaRPr lang="ko-KR" altLang="en-US" sz="900" b="1" dirty="0">
+              <a:solidFill>
+                <a:prstClr val="white"/>
+              </a:solidFill>
+            </a:endParaRPr>
+          </a:p>
+        </p:txBody>
+      </p:sp>
+      <p:sp>
+        <p:nvSpPr>
+          <p:cNvPr id="58" name="TextBox 57"/>
+          <p:cNvSpPr txBox="1"/>
+          <p:nvPr/>
+        </p:nvSpPr>
+        <p:spPr>
+          <a:xfrm>
+            <a:off x="-81357" y="3788588"/>
+            <a:ext cx="2677001" cy="307777"/>
+          </a:xfrm>
+          <a:prstGeom prst="rect">
+            <a:avLst/>
+          </a:prstGeom>
+          <a:noFill/>
+        </p:spPr>
+        <p:txBody>
+          <a:bodyPr wrap="square" rtlCol="0">
+            <a:spAutoFit/>
+          </a:bodyPr>
+          <a:lstStyle/>
+          <a:p>
+            <a:pPr algn="r"/>
+            <a:r>
+              <a:rPr lang="en-US" altLang="ko-KR" sz="1400" b="1" i="1" dirty="0">
+                <a:solidFill>
+                  <a:srgbClr val="4C5064"/>
+                </a:solidFill>
+                <a:latin typeface="+mn-ea"/>
+                <a:cs typeface="Aharoni" panose="02010803020104030203" pitchFamily="2" charset="-79"/>
+              </a:rPr>
+              <a:t>5.2 </a:t>
+            </a:r>
+            <a:r>
+              <a:rPr lang="ko-KR" altLang="en-US" sz="1400" b="1" i="1" dirty="0">
+                <a:solidFill>
+                  <a:srgbClr val="4C5064"/>
+                </a:solidFill>
+                <a:latin typeface="+mn-ea"/>
+                <a:cs typeface="Aharoni" panose="02010803020104030203" pitchFamily="2" charset="-79"/>
+              </a:rPr>
+              <a:t>지표확률 변수</a:t>
+            </a:r>
+            <a:endParaRPr lang="ko-KR" altLang="en-US" sz="1100" i="1" dirty="0">
+              <a:solidFill>
+                <a:srgbClr val="4C5064"/>
+              </a:solidFill>
+              <a:latin typeface="+mn-ea"/>
+              <a:cs typeface="Aharoni" panose="02010803020104030203" pitchFamily="2" charset="-79"/>
+            </a:endParaRPr>
+          </a:p>
+        </p:txBody>
+      </p:sp>
+      <p:sp>
+        <p:nvSpPr>
+          <p:cNvPr id="59" name="TextBox 58"/>
+          <p:cNvSpPr txBox="1"/>
+          <p:nvPr/>
+        </p:nvSpPr>
+        <p:spPr>
+          <a:xfrm>
+            <a:off x="363632" y="5076388"/>
+            <a:ext cx="2205456" cy="307777"/>
+          </a:xfrm>
+          <a:prstGeom prst="rect">
+            <a:avLst/>
+          </a:prstGeom>
+          <a:noFill/>
+        </p:spPr>
+        <p:txBody>
+          <a:bodyPr wrap="square" rtlCol="0">
+            <a:spAutoFit/>
+          </a:bodyPr>
+          <a:lstStyle/>
+          <a:p>
+            <a:pPr algn="r"/>
+            <a:r>
+              <a:rPr lang="en-US" altLang="ko-KR" sz="1400" b="1" i="1" dirty="0">
+                <a:solidFill>
+                  <a:srgbClr val="4C5064"/>
+                </a:solidFill>
+                <a:latin typeface="+mn-ea"/>
+                <a:cs typeface="Aharoni" panose="02010803020104030203" pitchFamily="2" charset="-79"/>
+              </a:rPr>
+              <a:t>5.3 </a:t>
+            </a:r>
+            <a:r>
+              <a:rPr lang="ko-KR" altLang="en-US" sz="1400" b="1" i="1" dirty="0">
+                <a:solidFill>
+                  <a:srgbClr val="4C5064"/>
+                </a:solidFill>
+                <a:latin typeface="+mn-ea"/>
+                <a:cs typeface="Aharoni" panose="02010803020104030203" pitchFamily="2" charset="-79"/>
+              </a:rPr>
+              <a:t>랜덤화 된 알고리즘</a:t>
+            </a:r>
+            <a:endParaRPr lang="ko-KR" altLang="en-US" sz="1100" i="1" dirty="0">
+              <a:solidFill>
+                <a:srgbClr val="4C5064"/>
+              </a:solidFill>
+              <a:latin typeface="+mn-ea"/>
+              <a:cs typeface="Aharoni" panose="02010803020104030203" pitchFamily="2" charset="-79"/>
+            </a:endParaRPr>
+          </a:p>
+        </p:txBody>
+      </p:sp>
+      <p:cxnSp>
+        <p:nvCxnSpPr>
+          <p:cNvPr id="47" name="직선 연결선 46"/>
+          <p:cNvCxnSpPr>
+            <a:stCxn id="14" idx="5"/>
+          </p:cNvCxnSpPr>
+          <p:nvPr/>
+        </p:nvCxnSpPr>
+        <p:spPr>
+          <a:xfrm flipH="1">
+            <a:off x="-1568455" y="1424525"/>
+            <a:ext cx="1576614" cy="1020225"/>
+          </a:xfrm>
+          <a:prstGeom prst="line">
+            <a:avLst/>
+          </a:prstGeom>
+          <a:ln>
+            <a:solidFill>
+              <a:schemeClr val="bg2">
+                <a:lumMod val="75000"/>
+              </a:schemeClr>
+            </a:solidFill>
+          </a:ln>
+        </p:spPr>
+        <p:style>
+          <a:lnRef idx="1">
+            <a:schemeClr val="accent1"/>
+          </a:lnRef>
+          <a:fillRef idx="0">
+            <a:schemeClr val="accent1"/>
+          </a:fillRef>
+          <a:effectRef idx="0">
+            <a:schemeClr val="accent1"/>
+          </a:effectRef>
+          <a:fontRef idx="minor">
+            <a:schemeClr val="tx1"/>
+          </a:fontRef>
+        </p:style>
+      </p:cxnSp>
+      <p:sp>
+        <p:nvSpPr>
+          <p:cNvPr id="19" name="타원 18">
+            <a:extLst>
+              <a:ext uri="{FF2B5EF4-FFF2-40B4-BE49-F238E27FC236}">
+                <a16:creationId xmlns:a16="http://schemas.microsoft.com/office/drawing/2014/main" id="{2DB2285E-46FB-4521-B184-7FF7B06682D3}"/>
+              </a:ext>
+            </a:extLst>
+          </p:cNvPr>
+          <p:cNvSpPr/>
+          <p:nvPr/>
+        </p:nvSpPr>
+        <p:spPr>
+          <a:xfrm>
+            <a:off x="2733322" y="6158142"/>
+            <a:ext cx="328471" cy="328468"/>
+          </a:xfrm>
+          <a:prstGeom prst="ellipse">
+            <a:avLst/>
+          </a:prstGeom>
+          <a:solidFill>
+            <a:srgbClr val="41C9D3"/>
+          </a:solidFill>
+          <a:ln w="15875">
+            <a:noFill/>
+          </a:ln>
+        </p:spPr>
+        <p:style>
+          <a:lnRef idx="2">
+            <a:schemeClr val="accent1">
+              <a:shade val="50000"/>
+            </a:schemeClr>
+          </a:lnRef>
+          <a:fillRef idx="1">
+            <a:schemeClr val="accent1"/>
+          </a:fillRef>
+          <a:effectRef idx="0">
+            <a:schemeClr val="accent1"/>
+          </a:effectRef>
+          <a:fontRef idx="minor">
+            <a:schemeClr val="lt1"/>
+          </a:fontRef>
+        </p:style>
+        <p:txBody>
+          <a:bodyPr lIns="0" tIns="0" rIns="0" bIns="0" rtlCol="0" anchor="ctr"/>
+          <a:lstStyle/>
+          <a:p>
+            <a:pPr algn="ctr"/>
+            <a:r>
+              <a:rPr lang="en-US" altLang="ko-KR" sz="900" b="1" dirty="0">
+                <a:solidFill>
+                  <a:prstClr val="white"/>
+                </a:solidFill>
+              </a:rPr>
+              <a:t>04</a:t>
+            </a:r>
+            <a:endParaRPr lang="ko-KR" altLang="en-US" sz="900" b="1" dirty="0">
+              <a:solidFill>
+                <a:prstClr val="white"/>
+              </a:solidFill>
+            </a:endParaRPr>
+          </a:p>
+        </p:txBody>
+      </p:sp>
+      <p:sp>
+        <p:nvSpPr>
+          <p:cNvPr id="24" name="직사각형 23">
+            <a:extLst>
+              <a:ext uri="{FF2B5EF4-FFF2-40B4-BE49-F238E27FC236}">
+                <a16:creationId xmlns:a16="http://schemas.microsoft.com/office/drawing/2014/main" id="{EA2EB32F-BFD3-4F41-A447-F35E1AC057A8}"/>
+              </a:ext>
+            </a:extLst>
+          </p:cNvPr>
+          <p:cNvSpPr/>
+          <p:nvPr/>
+        </p:nvSpPr>
+        <p:spPr>
+          <a:xfrm>
+            <a:off x="3770575" y="253013"/>
+            <a:ext cx="8746212" cy="523220"/>
+          </a:xfrm>
+          <a:prstGeom prst="rect">
+            <a:avLst/>
+          </a:prstGeom>
+        </p:spPr>
+        <p:txBody>
+          <a:bodyPr wrap="square">
+            <a:spAutoFit/>
+          </a:bodyPr>
+          <a:lstStyle/>
+          <a:p>
+            <a:r>
+              <a:rPr lang="en-US" altLang="ko-KR" sz="2800" b="1" dirty="0">
+                <a:solidFill>
+                  <a:srgbClr val="4C5064"/>
+                </a:solidFill>
+                <a:latin typeface="KoPubWorld돋움체_Pro Bold" panose="00000800000000000000" pitchFamily="50" charset="-127"/>
+                <a:ea typeface="KoPubWorld돋움체_Pro Bold" panose="00000800000000000000" pitchFamily="50" charset="-127"/>
+                <a:cs typeface="KoPubWorld돋움체_Pro Bold" panose="00000800000000000000" pitchFamily="50" charset="-127"/>
+              </a:rPr>
+              <a:t> 5-4 </a:t>
+            </a:r>
+            <a:r>
+              <a:rPr lang="ko-KR" altLang="en-US" sz="2800" b="1" dirty="0">
+                <a:solidFill>
+                  <a:srgbClr val="4C5064"/>
+                </a:solidFill>
+                <a:latin typeface="KoPubWorld돋움체_Pro Bold" panose="00000800000000000000" pitchFamily="50" charset="-127"/>
+                <a:ea typeface="KoPubWorld돋움체_Pro Bold" panose="00000800000000000000" pitchFamily="50" charset="-127"/>
+                <a:cs typeface="KoPubWorld돋움체_Pro Bold" panose="00000800000000000000" pitchFamily="50" charset="-127"/>
+              </a:rPr>
+              <a:t>확률적 분석과 지표확률 변수의 부가적인 활용</a:t>
+            </a:r>
+            <a:endParaRPr lang="en-US" altLang="ko-KR" sz="2800" b="1" dirty="0">
+              <a:solidFill>
+                <a:srgbClr val="4C5064"/>
+              </a:solidFill>
+              <a:latin typeface="KoPubWorld돋움체_Pro Bold" panose="00000800000000000000" pitchFamily="50" charset="-127"/>
+              <a:ea typeface="KoPubWorld돋움체_Pro Bold" panose="00000800000000000000" pitchFamily="50" charset="-127"/>
+              <a:cs typeface="KoPubWorld돋움체_Pro Bold" panose="00000800000000000000" pitchFamily="50" charset="-127"/>
+            </a:endParaRPr>
+          </a:p>
+        </p:txBody>
+      </p:sp>
+      <p:sp>
+        <p:nvSpPr>
+          <p:cNvPr id="27" name="TextBox 26">
+            <a:extLst>
+              <a:ext uri="{FF2B5EF4-FFF2-40B4-BE49-F238E27FC236}">
+                <a16:creationId xmlns:a16="http://schemas.microsoft.com/office/drawing/2014/main" id="{602F04BE-6DF5-4AAD-B6BE-B535C3F7C40A}"/>
+              </a:ext>
+            </a:extLst>
+          </p:cNvPr>
+          <p:cNvSpPr txBox="1"/>
+          <p:nvPr/>
+        </p:nvSpPr>
+        <p:spPr>
+          <a:xfrm>
+            <a:off x="-103354" y="2937098"/>
+            <a:ext cx="2677001" cy="307777"/>
+          </a:xfrm>
+          <a:prstGeom prst="rect">
+            <a:avLst/>
+          </a:prstGeom>
+          <a:noFill/>
+        </p:spPr>
+        <p:txBody>
+          <a:bodyPr wrap="square" rtlCol="0">
+            <a:spAutoFit/>
+          </a:bodyPr>
+          <a:lstStyle/>
+          <a:p>
+            <a:pPr algn="r"/>
+            <a:r>
+              <a:rPr lang="en-US" altLang="ko-KR" sz="1400" b="1" i="1" dirty="0">
+                <a:solidFill>
+                  <a:srgbClr val="4C5064"/>
+                </a:solidFill>
+                <a:latin typeface="+mn-ea"/>
+                <a:cs typeface="Aharoni" panose="02010803020104030203" pitchFamily="2" charset="-79"/>
+              </a:rPr>
+              <a:t>5.1 </a:t>
+            </a:r>
+            <a:r>
+              <a:rPr lang="ko-KR" altLang="en-US" sz="1400" b="1" i="1" dirty="0">
+                <a:solidFill>
+                  <a:srgbClr val="4C5064"/>
+                </a:solidFill>
+                <a:latin typeface="+mn-ea"/>
+                <a:cs typeface="Aharoni" panose="02010803020104030203" pitchFamily="2" charset="-79"/>
+              </a:rPr>
+              <a:t>고용문제</a:t>
+            </a:r>
+            <a:endParaRPr lang="ko-KR" altLang="en-US" sz="1100" i="1" dirty="0">
+              <a:solidFill>
+                <a:srgbClr val="4C5064"/>
+              </a:solidFill>
+              <a:latin typeface="+mn-ea"/>
+              <a:cs typeface="Aharoni" panose="02010803020104030203" pitchFamily="2" charset="-79"/>
+            </a:endParaRPr>
+          </a:p>
+        </p:txBody>
+      </p:sp>
+      <p:sp>
+        <p:nvSpPr>
+          <p:cNvPr id="28" name="TextBox 27">
+            <a:extLst>
+              <a:ext uri="{FF2B5EF4-FFF2-40B4-BE49-F238E27FC236}">
+                <a16:creationId xmlns:a16="http://schemas.microsoft.com/office/drawing/2014/main" id="{B9E11920-BC08-4FBD-B98F-FE1B72019418}"/>
+              </a:ext>
+            </a:extLst>
+          </p:cNvPr>
+          <p:cNvSpPr txBox="1"/>
+          <p:nvPr/>
+        </p:nvSpPr>
+        <p:spPr>
+          <a:xfrm>
+            <a:off x="-1422637" y="6074137"/>
+            <a:ext cx="5549327" cy="523220"/>
+          </a:xfrm>
+          <a:prstGeom prst="rect">
+            <a:avLst/>
+          </a:prstGeom>
+          <a:noFill/>
+        </p:spPr>
+        <p:txBody>
+          <a:bodyPr wrap="square" rtlCol="0">
+            <a:spAutoFit/>
+          </a:bodyPr>
+          <a:lstStyle/>
+          <a:p>
+            <a:pPr algn="ctr"/>
+            <a:r>
+              <a:rPr lang="en-US" altLang="ko-KR" sz="1400" b="1" i="1" dirty="0">
+                <a:solidFill>
+                  <a:srgbClr val="4C5064"/>
+                </a:solidFill>
+                <a:latin typeface="+mn-ea"/>
+                <a:cs typeface="Aharoni" panose="02010803020104030203" pitchFamily="2" charset="-79"/>
+              </a:rPr>
+              <a:t>5.4</a:t>
+            </a:r>
+            <a:r>
+              <a:rPr lang="ko-KR" altLang="en-US" sz="1400" b="1" i="1" dirty="0">
+                <a:solidFill>
+                  <a:srgbClr val="4C5064"/>
+                </a:solidFill>
+                <a:latin typeface="+mn-ea"/>
+                <a:cs typeface="Aharoni" panose="02010803020104030203" pitchFamily="2" charset="-79"/>
+              </a:rPr>
+              <a:t> 확률적 분석과 지표 </a:t>
+            </a:r>
+            <a:endParaRPr lang="en-US" altLang="ko-KR" sz="1400" b="1" i="1" dirty="0">
+              <a:solidFill>
+                <a:srgbClr val="4C5064"/>
+              </a:solidFill>
+              <a:latin typeface="+mn-ea"/>
+              <a:cs typeface="Aharoni" panose="02010803020104030203" pitchFamily="2" charset="-79"/>
+            </a:endParaRPr>
+          </a:p>
+          <a:p>
+            <a:pPr algn="ctr"/>
+            <a:r>
+              <a:rPr lang="ko-KR" altLang="en-US" sz="1400" b="1" i="1" dirty="0">
+                <a:solidFill>
+                  <a:srgbClr val="4C5064"/>
+                </a:solidFill>
+                <a:latin typeface="+mn-ea"/>
+                <a:cs typeface="Aharoni" panose="02010803020104030203" pitchFamily="2" charset="-79"/>
+              </a:rPr>
+              <a:t>확률 변수의 부가적인 활용</a:t>
+            </a:r>
+            <a:endParaRPr lang="ko-KR" altLang="en-US" sz="1100" i="1" dirty="0">
+              <a:solidFill>
+                <a:srgbClr val="4C5064"/>
+              </a:solidFill>
+              <a:latin typeface="+mn-ea"/>
+              <a:cs typeface="Aharoni" panose="02010803020104030203" pitchFamily="2" charset="-79"/>
+            </a:endParaRPr>
+          </a:p>
+        </p:txBody>
+      </p:sp>
+      <p:sp>
+        <p:nvSpPr>
+          <p:cNvPr id="18" name="TextBox 17">
+            <a:extLst>
+              <a:ext uri="{FF2B5EF4-FFF2-40B4-BE49-F238E27FC236}">
+                <a16:creationId xmlns:a16="http://schemas.microsoft.com/office/drawing/2014/main" id="{4C896B48-0BD5-425D-9735-50AAF367182C}"/>
+              </a:ext>
+            </a:extLst>
+          </p:cNvPr>
+          <p:cNvSpPr txBox="1"/>
+          <p:nvPr/>
+        </p:nvSpPr>
+        <p:spPr>
+          <a:xfrm>
+            <a:off x="3487729" y="1195322"/>
+            <a:ext cx="8483440" cy="595035"/>
+          </a:xfrm>
+          <a:prstGeom prst="rect">
+            <a:avLst/>
+          </a:prstGeom>
+          <a:noFill/>
+        </p:spPr>
+        <p:txBody>
+          <a:bodyPr wrap="square" rtlCol="0">
+            <a:spAutoFit/>
+          </a:bodyPr>
+          <a:lstStyle/>
+          <a:p>
+            <a:pPr>
+              <a:lnSpc>
+                <a:spcPct val="150000"/>
+              </a:lnSpc>
+            </a:pPr>
+            <a:r>
+              <a:rPr lang="en-US" altLang="ko-KR" sz="2500" b="1" dirty="0"/>
+              <a:t>2. </a:t>
+            </a:r>
+            <a:r>
+              <a:rPr lang="ko-KR" altLang="en-US" sz="2500" b="1" dirty="0"/>
+              <a:t>공과 주머니</a:t>
+            </a:r>
+            <a:endParaRPr lang="en-US" altLang="ko-KR" sz="2500" b="1" dirty="0"/>
+          </a:p>
+        </p:txBody>
+      </p:sp>
+      <p:sp>
+        <p:nvSpPr>
+          <p:cNvPr id="20" name="TextBox 19">
+            <a:extLst>
+              <a:ext uri="{FF2B5EF4-FFF2-40B4-BE49-F238E27FC236}">
+                <a16:creationId xmlns:a16="http://schemas.microsoft.com/office/drawing/2014/main" id="{935CFBAD-7B37-48F7-90E4-FA23F5098A90}"/>
+              </a:ext>
+            </a:extLst>
+          </p:cNvPr>
+          <p:cNvSpPr txBox="1"/>
+          <p:nvPr/>
+        </p:nvSpPr>
+        <p:spPr>
+          <a:xfrm>
+            <a:off x="3487729" y="2225458"/>
             <a:ext cx="8483440" cy="1232453"/>
           </a:xfrm>
           <a:prstGeom prst="rect">
@@ -39013,7 +40262,7 @@
 </p:sld>
 </file>
 
-<file path=ppt/slides/slide34.xml><?xml version="1.0" encoding="utf-8"?>
+<file path=ppt/slides/slide35.xml><?xml version="1.0" encoding="utf-8"?>
 <p:sld xmlns:a="http://schemas.openxmlformats.org/drawingml/2006/main" xmlns:r="http://schemas.openxmlformats.org/officeDocument/2006/relationships" xmlns:p="http://schemas.openxmlformats.org/presentationml/2006/main">
   <p:cSld>
     <p:spTree>
